--- a/Functional Programming.pptx
+++ b/Functional Programming.pptx
@@ -7,29 +7,30 @@
   <p:sldIdLst>
     <p:sldId id="256" r:id="rId2"/>
     <p:sldId id="285" r:id="rId3"/>
-    <p:sldId id="257" r:id="rId4"/>
-    <p:sldId id="275" r:id="rId5"/>
-    <p:sldId id="276" r:id="rId6"/>
-    <p:sldId id="268" r:id="rId7"/>
-    <p:sldId id="270" r:id="rId8"/>
-    <p:sldId id="269" r:id="rId9"/>
-    <p:sldId id="284" r:id="rId10"/>
-    <p:sldId id="271" r:id="rId11"/>
-    <p:sldId id="274" r:id="rId12"/>
-    <p:sldId id="258" r:id="rId13"/>
-    <p:sldId id="261" r:id="rId14"/>
-    <p:sldId id="282" r:id="rId15"/>
-    <p:sldId id="265" r:id="rId16"/>
-    <p:sldId id="264" r:id="rId17"/>
-    <p:sldId id="266" r:id="rId18"/>
-    <p:sldId id="280" r:id="rId19"/>
-    <p:sldId id="279" r:id="rId20"/>
-    <p:sldId id="281" r:id="rId21"/>
-    <p:sldId id="273" r:id="rId22"/>
-    <p:sldId id="262" r:id="rId23"/>
-    <p:sldId id="278" r:id="rId24"/>
-    <p:sldId id="283" r:id="rId25"/>
-    <p:sldId id="260" r:id="rId26"/>
+    <p:sldId id="286" r:id="rId4"/>
+    <p:sldId id="257" r:id="rId5"/>
+    <p:sldId id="275" r:id="rId6"/>
+    <p:sldId id="276" r:id="rId7"/>
+    <p:sldId id="268" r:id="rId8"/>
+    <p:sldId id="270" r:id="rId9"/>
+    <p:sldId id="269" r:id="rId10"/>
+    <p:sldId id="284" r:id="rId11"/>
+    <p:sldId id="271" r:id="rId12"/>
+    <p:sldId id="274" r:id="rId13"/>
+    <p:sldId id="258" r:id="rId14"/>
+    <p:sldId id="261" r:id="rId15"/>
+    <p:sldId id="282" r:id="rId16"/>
+    <p:sldId id="265" r:id="rId17"/>
+    <p:sldId id="264" r:id="rId18"/>
+    <p:sldId id="266" r:id="rId19"/>
+    <p:sldId id="280" r:id="rId20"/>
+    <p:sldId id="279" r:id="rId21"/>
+    <p:sldId id="281" r:id="rId22"/>
+    <p:sldId id="273" r:id="rId23"/>
+    <p:sldId id="262" r:id="rId24"/>
+    <p:sldId id="278" r:id="rId25"/>
+    <p:sldId id="283" r:id="rId26"/>
+    <p:sldId id="260" r:id="rId27"/>
   </p:sldIdLst>
   <p:sldSz cx="12192000" cy="6858000"/>
   <p:notesSz cx="6858000" cy="9144000"/>
@@ -323,7 +324,7 @@
             <a:fld id="{9334D819-9F07-4261-B09B-9E467E5D9002}" type="datetimeFigureOut">
               <a:rPr lang="en-US" smtClean="0"/>
               <a:pPr/>
-              <a:t>9/10/20</a:t>
+              <a:t>9/11/20</a:t>
             </a:fld>
             <a:endParaRPr lang="en-US" dirty="0"/>
           </a:p>
@@ -600,7 +601,7 @@
             <a:fld id="{9334D819-9F07-4261-B09B-9E467E5D9002}" type="datetimeFigureOut">
               <a:rPr lang="en-US" smtClean="0"/>
               <a:pPr/>
-              <a:t>9/10/20</a:t>
+              <a:t>9/11/20</a:t>
             </a:fld>
             <a:endParaRPr lang="en-US" dirty="0"/>
           </a:p>
@@ -796,7 +797,7 @@
             <a:fld id="{9334D819-9F07-4261-B09B-9E467E5D9002}" type="datetimeFigureOut">
               <a:rPr lang="en-US" smtClean="0"/>
               <a:pPr/>
-              <a:t>9/10/20</a:t>
+              <a:t>9/11/20</a:t>
             </a:fld>
             <a:endParaRPr lang="en-US" dirty="0"/>
           </a:p>
@@ -1071,7 +1072,7 @@
             <a:fld id="{9334D819-9F07-4261-B09B-9E467E5D9002}" type="datetimeFigureOut">
               <a:rPr lang="en-US" smtClean="0"/>
               <a:pPr/>
-              <a:t>9/10/20</a:t>
+              <a:t>9/11/20</a:t>
             </a:fld>
             <a:endParaRPr lang="en-US" dirty="0"/>
           </a:p>
@@ -1414,7 +1415,7 @@
             <a:fld id="{9334D819-9F07-4261-B09B-9E467E5D9002}" type="datetimeFigureOut">
               <a:rPr lang="en-US" smtClean="0"/>
               <a:pPr/>
-              <a:t>9/10/20</a:t>
+              <a:t>9/11/20</a:t>
             </a:fld>
             <a:endParaRPr lang="en-US" dirty="0"/>
           </a:p>
@@ -2039,7 +2040,7 @@
             <a:fld id="{9334D819-9F07-4261-B09B-9E467E5D9002}" type="datetimeFigureOut">
               <a:rPr lang="en-US" smtClean="0"/>
               <a:pPr/>
-              <a:t>9/10/20</a:t>
+              <a:t>9/11/20</a:t>
             </a:fld>
             <a:endParaRPr lang="en-US" dirty="0"/>
           </a:p>
@@ -2901,7 +2902,7 @@
             <a:fld id="{9334D819-9F07-4261-B09B-9E467E5D9002}" type="datetimeFigureOut">
               <a:rPr lang="en-US" smtClean="0"/>
               <a:pPr/>
-              <a:t>9/10/20</a:t>
+              <a:t>9/11/20</a:t>
             </a:fld>
             <a:endParaRPr lang="en-US" dirty="0"/>
           </a:p>
@@ -3073,7 +3074,7 @@
             <a:fld id="{9334D819-9F07-4261-B09B-9E467E5D9002}" type="datetimeFigureOut">
               <a:rPr lang="en-US" smtClean="0"/>
               <a:pPr/>
-              <a:t>9/10/20</a:t>
+              <a:t>9/11/20</a:t>
             </a:fld>
             <a:endParaRPr lang="en-US" dirty="0"/>
           </a:p>
@@ -3255,7 +3256,7 @@
             <a:fld id="{9334D819-9F07-4261-B09B-9E467E5D9002}" type="datetimeFigureOut">
               <a:rPr lang="en-US" smtClean="0"/>
               <a:pPr/>
-              <a:t>9/10/20</a:t>
+              <a:t>9/11/20</a:t>
             </a:fld>
             <a:endParaRPr lang="en-US" dirty="0"/>
           </a:p>
@@ -3427,7 +3428,7 @@
             <a:fld id="{9334D819-9F07-4261-B09B-9E467E5D9002}" type="datetimeFigureOut">
               <a:rPr lang="en-US" smtClean="0"/>
               <a:pPr/>
-              <a:t>9/10/20</a:t>
+              <a:t>9/11/20</a:t>
             </a:fld>
             <a:endParaRPr lang="en-US" dirty="0"/>
           </a:p>
@@ -3676,7 +3677,7 @@
             <a:fld id="{9334D819-9F07-4261-B09B-9E467E5D9002}" type="datetimeFigureOut">
               <a:rPr lang="en-US" smtClean="0"/>
               <a:pPr/>
-              <a:t>9/10/20</a:t>
+              <a:t>9/11/20</a:t>
             </a:fld>
             <a:endParaRPr lang="en-US" dirty="0"/>
           </a:p>
@@ -3970,7 +3971,7 @@
             <a:fld id="{9334D819-9F07-4261-B09B-9E467E5D9002}" type="datetimeFigureOut">
               <a:rPr lang="en-US" smtClean="0"/>
               <a:pPr/>
-              <a:t>9/10/20</a:t>
+              <a:t>9/11/20</a:t>
             </a:fld>
             <a:endParaRPr lang="en-US" dirty="0"/>
           </a:p>
@@ -4416,7 +4417,7 @@
             <a:fld id="{9334D819-9F07-4261-B09B-9E467E5D9002}" type="datetimeFigureOut">
               <a:rPr lang="en-US" smtClean="0"/>
               <a:pPr/>
-              <a:t>9/10/20</a:t>
+              <a:t>9/11/20</a:t>
             </a:fld>
             <a:endParaRPr lang="en-US" dirty="0"/>
           </a:p>
@@ -4535,7 +4536,7 @@
           <a:p>
             <a:fld id="{9334D819-9F07-4261-B09B-9E467E5D9002}" type="datetimeFigureOut">
               <a:rPr lang="en-US" smtClean="0"/>
-              <a:t>9/10/20</a:t>
+              <a:t>9/11/20</a:t>
             </a:fld>
             <a:endParaRPr lang="en-US" dirty="0"/>
           </a:p>
@@ -4630,7 +4631,7 @@
           <a:p>
             <a:fld id="{9334D819-9F07-4261-B09B-9E467E5D9002}" type="datetimeFigureOut">
               <a:rPr lang="en-US" smtClean="0"/>
-              <a:t>9/10/20</a:t>
+              <a:t>9/11/20</a:t>
             </a:fld>
             <a:endParaRPr lang="en-US" dirty="0"/>
           </a:p>
@@ -4910,7 +4911,7 @@
             <a:fld id="{9334D819-9F07-4261-B09B-9E467E5D9002}" type="datetimeFigureOut">
               <a:rPr lang="en-US" smtClean="0"/>
               <a:pPr/>
-              <a:t>9/10/20</a:t>
+              <a:t>9/11/20</a:t>
             </a:fld>
             <a:endParaRPr lang="en-US" dirty="0"/>
           </a:p>
@@ -5186,7 +5187,7 @@
           <a:p>
             <a:fld id="{9334D819-9F07-4261-B09B-9E467E5D9002}" type="datetimeFigureOut">
               <a:rPr lang="en-US" smtClean="0"/>
-              <a:t>9/10/20</a:t>
+              <a:t>9/11/20</a:t>
             </a:fld>
             <a:endParaRPr lang="en-US" dirty="0"/>
           </a:p>
@@ -5616,7 +5617,7 @@
             <a:fld id="{9334D819-9F07-4261-B09B-9E467E5D9002}" type="datetimeFigureOut">
               <a:rPr lang="en-US" smtClean="0"/>
               <a:pPr/>
-              <a:t>9/10/20</a:t>
+              <a:t>9/11/20</a:t>
             </a:fld>
             <a:endParaRPr lang="en-US" dirty="0"/>
           </a:p>
@@ -6238,6 +6239,122 @@
       </p:grpSpPr>
       <p:sp>
         <p:nvSpPr>
+          <p:cNvPr id="2" name="Title 1">
+            <a:extLst>
+              <a:ext uri="{FF2B5EF4-FFF2-40B4-BE49-F238E27FC236}">
+                <a16:creationId xmlns:a16="http://schemas.microsoft.com/office/drawing/2014/main" id="{3A1010FD-68E5-364A-800B-5B73B5111DBD}"/>
+              </a:ext>
+            </a:extLst>
+          </p:cNvPr>
+          <p:cNvSpPr>
+            <a:spLocks noGrp="1"/>
+          </p:cNvSpPr>
+          <p:nvPr>
+            <p:ph type="title"/>
+          </p:nvPr>
+        </p:nvSpPr>
+        <p:spPr/>
+        <p:txBody>
+          <a:bodyPr/>
+          <a:lstStyle/>
+          <a:p>
+            <a:r>
+              <a:rPr lang="en-US" dirty="0"/>
+              <a:t>Core Principles + Code</a:t>
+            </a:r>
+          </a:p>
+        </p:txBody>
+      </p:sp>
+      <p:sp>
+        <p:nvSpPr>
+          <p:cNvPr id="3" name="Text Placeholder 2">
+            <a:extLst>
+              <a:ext uri="{FF2B5EF4-FFF2-40B4-BE49-F238E27FC236}">
+                <a16:creationId xmlns:a16="http://schemas.microsoft.com/office/drawing/2014/main" id="{3444D930-3CBD-6042-8A13-8594B471F352}"/>
+              </a:ext>
+            </a:extLst>
+          </p:cNvPr>
+          <p:cNvSpPr>
+            <a:spLocks noGrp="1"/>
+          </p:cNvSpPr>
+          <p:nvPr>
+            <p:ph type="body" idx="1"/>
+          </p:nvPr>
+        </p:nvSpPr>
+        <p:spPr/>
+        <p:txBody>
+          <a:bodyPr/>
+          <a:lstStyle/>
+          <a:p>
+            <a:r>
+              <a:rPr lang="en-US" dirty="0"/>
+              <a:t>Something created by math nerds is bound to have a lot of scary words – hang in there!</a:t>
+            </a:r>
+          </a:p>
+        </p:txBody>
+      </p:sp>
+      <p:pic>
+        <p:nvPicPr>
+          <p:cNvPr id="4" name="Picture 3">
+            <a:extLst>
+              <a:ext uri="{FF2B5EF4-FFF2-40B4-BE49-F238E27FC236}">
+                <a16:creationId xmlns:a16="http://schemas.microsoft.com/office/drawing/2014/main" id="{A206B5D3-B8E7-0943-AB34-E32EE0173E3A}"/>
+              </a:ext>
+            </a:extLst>
+          </p:cNvPr>
+          <p:cNvPicPr>
+            <a:picLocks noChangeAspect="1"/>
+          </p:cNvPicPr>
+          <p:nvPr/>
+        </p:nvPicPr>
+        <p:blipFill>
+          <a:blip r:embed="rId2"/>
+          <a:stretch>
+            <a:fillRect/>
+          </a:stretch>
+        </p:blipFill>
+        <p:spPr>
+          <a:xfrm>
+            <a:off x="7068620" y="599568"/>
+            <a:ext cx="4592549" cy="3214785"/>
+          </a:xfrm>
+          <a:prstGeom prst="rect">
+            <a:avLst/>
+          </a:prstGeom>
+        </p:spPr>
+      </p:pic>
+    </p:spTree>
+    <p:extLst>
+      <p:ext uri="{BB962C8B-B14F-4D97-AF65-F5344CB8AC3E}">
+        <p14:creationId xmlns:p14="http://schemas.microsoft.com/office/powerpoint/2010/main" val="3822161428"/>
+      </p:ext>
+    </p:extLst>
+  </p:cSld>
+  <p:clrMapOvr>
+    <a:masterClrMapping/>
+  </p:clrMapOvr>
+</p:sld>
+</file>
+
+<file path=ppt/slides/slide11.xml><?xml version="1.0" encoding="utf-8"?>
+<p:sld xmlns:a="http://schemas.openxmlformats.org/drawingml/2006/main" xmlns:r="http://schemas.openxmlformats.org/officeDocument/2006/relationships" xmlns:p="http://schemas.openxmlformats.org/presentationml/2006/main">
+  <p:cSld>
+    <p:spTree>
+      <p:nvGrpSpPr>
+        <p:cNvPr id="1" name=""/>
+        <p:cNvGrpSpPr/>
+        <p:nvPr/>
+      </p:nvGrpSpPr>
+      <p:grpSpPr>
+        <a:xfrm>
+          <a:off x="0" y="0"/>
+          <a:ext cx="0" cy="0"/>
+          <a:chOff x="0" y="0"/>
+          <a:chExt cx="0" cy="0"/>
+        </a:xfrm>
+      </p:grpSpPr>
+      <p:sp>
+        <p:nvSpPr>
           <p:cNvPr id="6" name="Title 5">
             <a:extLst>
               <a:ext uri="{FF2B5EF4-FFF2-40B4-BE49-F238E27FC236}">
@@ -6377,103 +6494,6 @@
 </p:sld>
 </file>
 
-<file path=ppt/slides/slide11.xml><?xml version="1.0" encoding="utf-8"?>
-<p:sld xmlns:a="http://schemas.openxmlformats.org/drawingml/2006/main" xmlns:r="http://schemas.openxmlformats.org/officeDocument/2006/relationships" xmlns:p="http://schemas.openxmlformats.org/presentationml/2006/main">
-  <p:cSld>
-    <p:spTree>
-      <p:nvGrpSpPr>
-        <p:cNvPr id="1" name=""/>
-        <p:cNvGrpSpPr/>
-        <p:nvPr/>
-      </p:nvGrpSpPr>
-      <p:grpSpPr>
-        <a:xfrm>
-          <a:off x="0" y="0"/>
-          <a:ext cx="0" cy="0"/>
-          <a:chOff x="0" y="0"/>
-          <a:chExt cx="0" cy="0"/>
-        </a:xfrm>
-      </p:grpSpPr>
-      <p:sp>
-        <p:nvSpPr>
-          <p:cNvPr id="6" name="Title 5">
-            <a:extLst>
-              <a:ext uri="{FF2B5EF4-FFF2-40B4-BE49-F238E27FC236}">
-                <a16:creationId xmlns:a16="http://schemas.microsoft.com/office/drawing/2014/main" id="{42C4E393-866A-694D-B6A2-D6AAF287CB94}"/>
-              </a:ext>
-            </a:extLst>
-          </p:cNvPr>
-          <p:cNvSpPr>
-            <a:spLocks noGrp="1"/>
-          </p:cNvSpPr>
-          <p:nvPr>
-            <p:ph type="title"/>
-          </p:nvPr>
-        </p:nvSpPr>
-        <p:spPr/>
-        <p:txBody>
-          <a:bodyPr/>
-          <a:lstStyle/>
-          <a:p>
-            <a:r>
-              <a:rPr lang="en-US" dirty="0"/>
-              <a:t>Currying</a:t>
-            </a:r>
-          </a:p>
-        </p:txBody>
-      </p:sp>
-      <p:sp>
-        <p:nvSpPr>
-          <p:cNvPr id="7" name="Content Placeholder 6">
-            <a:extLst>
-              <a:ext uri="{FF2B5EF4-FFF2-40B4-BE49-F238E27FC236}">
-                <a16:creationId xmlns:a16="http://schemas.microsoft.com/office/drawing/2014/main" id="{4E5BCDDE-0A06-2F4E-95E4-7F1B49AF2C9F}"/>
-              </a:ext>
-            </a:extLst>
-          </p:cNvPr>
-          <p:cNvSpPr>
-            <a:spLocks noGrp="1"/>
-          </p:cNvSpPr>
-          <p:nvPr>
-            <p:ph idx="1"/>
-          </p:nvPr>
-        </p:nvSpPr>
-        <p:spPr/>
-        <p:txBody>
-          <a:bodyPr>
-            <a:normAutofit/>
-          </a:bodyPr>
-          <a:lstStyle/>
-          <a:p>
-            <a:r>
-              <a:rPr lang="en-US" dirty="0"/>
-              <a:t>“converting a function that takes multiple arguments into a sequence of functions that each take a single argument”</a:t>
-            </a:r>
-          </a:p>
-          <a:p>
-            <a:r>
-              <a:rPr lang="en-US" dirty="0"/>
-              <a:t>named after Haskell Curry - can you guess what else was named after him? 😉 </a:t>
-            </a:r>
-          </a:p>
-          <a:p>
-            <a:endParaRPr lang="en-US" dirty="0"/>
-          </a:p>
-        </p:txBody>
-      </p:sp>
-    </p:spTree>
-    <p:extLst>
-      <p:ext uri="{BB962C8B-B14F-4D97-AF65-F5344CB8AC3E}">
-        <p14:creationId xmlns:p14="http://schemas.microsoft.com/office/powerpoint/2010/main" val="3255678727"/>
-      </p:ext>
-    </p:extLst>
-  </p:cSld>
-  <p:clrMapOvr>
-    <a:masterClrMapping/>
-  </p:clrMapOvr>
-</p:sld>
-</file>
-
 <file path=ppt/slides/slide12.xml><?xml version="1.0" encoding="utf-8"?>
 <p:sld xmlns:a="http://schemas.openxmlformats.org/drawingml/2006/main" xmlns:r="http://schemas.openxmlformats.org/officeDocument/2006/relationships" xmlns:p="http://schemas.openxmlformats.org/presentationml/2006/main">
   <p:cSld>
@@ -6493,10 +6513,10 @@
       </p:grpSpPr>
       <p:sp>
         <p:nvSpPr>
-          <p:cNvPr id="4" name="Title 3">
+          <p:cNvPr id="6" name="Title 5">
             <a:extLst>
               <a:ext uri="{FF2B5EF4-FFF2-40B4-BE49-F238E27FC236}">
-                <a16:creationId xmlns:a16="http://schemas.microsoft.com/office/drawing/2014/main" id="{3C06CCB1-DA2A-8E47-816B-F188DED612BB}"/>
+                <a16:creationId xmlns:a16="http://schemas.microsoft.com/office/drawing/2014/main" id="{42C4E393-866A-694D-B6A2-D6AAF287CB94}"/>
               </a:ext>
             </a:extLst>
           </p:cNvPr>
@@ -6514,17 +6534,17 @@
           <a:p>
             <a:r>
               <a:rPr lang="en-US" dirty="0"/>
-              <a:t>Imperative vs Declarative</a:t>
-            </a:r>
-          </a:p>
-        </p:txBody>
-      </p:sp>
-      <p:sp>
-        <p:nvSpPr>
-          <p:cNvPr id="5" name="Content Placeholder 4">
+              <a:t>Currying</a:t>
+            </a:r>
+          </a:p>
+        </p:txBody>
+      </p:sp>
+      <p:sp>
+        <p:nvSpPr>
+          <p:cNvPr id="7" name="Content Placeholder 6">
             <a:extLst>
               <a:ext uri="{FF2B5EF4-FFF2-40B4-BE49-F238E27FC236}">
-                <a16:creationId xmlns:a16="http://schemas.microsoft.com/office/drawing/2014/main" id="{1EF324B9-CDBF-0D4F-AEA6-D2372B28A472}"/>
+                <a16:creationId xmlns:a16="http://schemas.microsoft.com/office/drawing/2014/main" id="{4E5BCDDE-0A06-2F4E-95E4-7F1B49AF2C9F}"/>
               </a:ext>
             </a:extLst>
           </p:cNvPr>
@@ -6537,93 +6557,31 @@
         </p:nvSpPr>
         <p:spPr/>
         <p:txBody>
-          <a:bodyPr/>
-          <a:lstStyle/>
-          <a:p>
-            <a:r>
-              <a:rPr lang="en-US" dirty="0"/>
-              <a:t>Imperative – code that shows </a:t>
-            </a:r>
-            <a:r>
-              <a:rPr lang="en-US" b="1" dirty="0"/>
-              <a:t>how</a:t>
-            </a:r>
-            <a:r>
-              <a:rPr lang="en-US" dirty="0"/>
-              <a:t> you accomplish your intent</a:t>
-            </a:r>
-          </a:p>
-          <a:p>
-            <a:pPr lvl="1"/>
-            <a:r>
-              <a:rPr lang="en-US" dirty="0"/>
-              <a:t>C, C++, Java </a:t>
-            </a:r>
-          </a:p>
-          <a:p>
-            <a:pPr lvl="1"/>
-            <a:r>
-              <a:rPr lang="en-US" dirty="0"/>
-              <a:t>Feels like a human trying to communicate with a computer</a:t>
-            </a:r>
-          </a:p>
-          <a:p>
-            <a:pPr lvl="2"/>
-            <a:r>
-              <a:rPr lang="en-US" dirty="0"/>
-              <a:t>“Heat oven to 375ºF. In small bowl, mix flour, baking soda and salt; set aside…”</a:t>
-            </a:r>
-          </a:p>
-          <a:p>
-            <a:pPr lvl="2"/>
-            <a:endParaRPr lang="en-US" dirty="0"/>
-          </a:p>
-          <a:p>
-            <a:r>
-              <a:rPr lang="en-US" dirty="0"/>
-              <a:t>Declarative – code that shows </a:t>
-            </a:r>
-            <a:r>
-              <a:rPr lang="en-US" b="1" dirty="0"/>
-              <a:t>what</a:t>
-            </a:r>
-            <a:r>
-              <a:rPr lang="en-US" dirty="0"/>
-              <a:t> your intent is</a:t>
-            </a:r>
-          </a:p>
-          <a:p>
-            <a:pPr lvl="1"/>
-            <a:r>
-              <a:rPr lang="en-US" dirty="0"/>
-              <a:t>SQL, HTML, </a:t>
-            </a:r>
-            <a:r>
-              <a:rPr lang="en-US" dirty="0" err="1"/>
-              <a:t>GraphQL</a:t>
-            </a:r>
-            <a:endParaRPr lang="en-US" dirty="0"/>
-          </a:p>
-          <a:p>
-            <a:pPr lvl="1"/>
-            <a:r>
-              <a:rPr lang="en-US" dirty="0"/>
-              <a:t>Feels more like a human trying to communicate with a human</a:t>
-            </a:r>
-          </a:p>
-          <a:p>
-            <a:pPr lvl="2"/>
-            <a:r>
-              <a:rPr lang="en-US" dirty="0"/>
-              <a:t>“Hey, can you make me some chocolate chip cookies?”</a:t>
-            </a:r>
+          <a:bodyPr>
+            <a:normAutofit/>
+          </a:bodyPr>
+          <a:lstStyle/>
+          <a:p>
+            <a:r>
+              <a:rPr lang="en-US" dirty="0"/>
+              <a:t>“converting a function that takes multiple arguments into a sequence of functions that each take a single argument”</a:t>
+            </a:r>
+          </a:p>
+          <a:p>
+            <a:r>
+              <a:rPr lang="en-US" dirty="0"/>
+              <a:t>named after Haskell Curry - can you guess what else was named after him? 😉 </a:t>
+            </a:r>
+          </a:p>
+          <a:p>
+            <a:endParaRPr lang="en-US" dirty="0"/>
           </a:p>
         </p:txBody>
       </p:sp>
     </p:spTree>
     <p:extLst>
       <p:ext uri="{BB962C8B-B14F-4D97-AF65-F5344CB8AC3E}">
-        <p14:creationId xmlns:p14="http://schemas.microsoft.com/office/powerpoint/2010/main" val="4063958984"/>
+        <p14:creationId xmlns:p14="http://schemas.microsoft.com/office/powerpoint/2010/main" val="3255678727"/>
       </p:ext>
     </p:extLst>
   </p:cSld>
@@ -6652,6 +6610,165 @@
       </p:grpSpPr>
       <p:sp>
         <p:nvSpPr>
+          <p:cNvPr id="4" name="Title 3">
+            <a:extLst>
+              <a:ext uri="{FF2B5EF4-FFF2-40B4-BE49-F238E27FC236}">
+                <a16:creationId xmlns:a16="http://schemas.microsoft.com/office/drawing/2014/main" id="{3C06CCB1-DA2A-8E47-816B-F188DED612BB}"/>
+              </a:ext>
+            </a:extLst>
+          </p:cNvPr>
+          <p:cNvSpPr>
+            <a:spLocks noGrp="1"/>
+          </p:cNvSpPr>
+          <p:nvPr>
+            <p:ph type="title"/>
+          </p:nvPr>
+        </p:nvSpPr>
+        <p:spPr/>
+        <p:txBody>
+          <a:bodyPr/>
+          <a:lstStyle/>
+          <a:p>
+            <a:r>
+              <a:rPr lang="en-US" dirty="0"/>
+              <a:t>Imperative vs Declarative</a:t>
+            </a:r>
+          </a:p>
+        </p:txBody>
+      </p:sp>
+      <p:sp>
+        <p:nvSpPr>
+          <p:cNvPr id="5" name="Content Placeholder 4">
+            <a:extLst>
+              <a:ext uri="{FF2B5EF4-FFF2-40B4-BE49-F238E27FC236}">
+                <a16:creationId xmlns:a16="http://schemas.microsoft.com/office/drawing/2014/main" id="{1EF324B9-CDBF-0D4F-AEA6-D2372B28A472}"/>
+              </a:ext>
+            </a:extLst>
+          </p:cNvPr>
+          <p:cNvSpPr>
+            <a:spLocks noGrp="1"/>
+          </p:cNvSpPr>
+          <p:nvPr>
+            <p:ph idx="1"/>
+          </p:nvPr>
+        </p:nvSpPr>
+        <p:spPr/>
+        <p:txBody>
+          <a:bodyPr/>
+          <a:lstStyle/>
+          <a:p>
+            <a:r>
+              <a:rPr lang="en-US" dirty="0"/>
+              <a:t>Imperative – code that shows </a:t>
+            </a:r>
+            <a:r>
+              <a:rPr lang="en-US" b="1" dirty="0"/>
+              <a:t>how</a:t>
+            </a:r>
+            <a:r>
+              <a:rPr lang="en-US" dirty="0"/>
+              <a:t> you accomplish your intent</a:t>
+            </a:r>
+          </a:p>
+          <a:p>
+            <a:pPr lvl="1"/>
+            <a:r>
+              <a:rPr lang="en-US" dirty="0"/>
+              <a:t>C, C++, Java </a:t>
+            </a:r>
+          </a:p>
+          <a:p>
+            <a:pPr lvl="1"/>
+            <a:r>
+              <a:rPr lang="en-US" dirty="0"/>
+              <a:t>Feels like a human trying to communicate with a computer</a:t>
+            </a:r>
+          </a:p>
+          <a:p>
+            <a:pPr lvl="2"/>
+            <a:r>
+              <a:rPr lang="en-US" dirty="0"/>
+              <a:t>“Heat oven to 375ºF. In small bowl, mix flour, baking soda and salt; set aside…”</a:t>
+            </a:r>
+          </a:p>
+          <a:p>
+            <a:pPr lvl="2"/>
+            <a:endParaRPr lang="en-US" dirty="0"/>
+          </a:p>
+          <a:p>
+            <a:r>
+              <a:rPr lang="en-US" dirty="0"/>
+              <a:t>Declarative – code that shows </a:t>
+            </a:r>
+            <a:r>
+              <a:rPr lang="en-US" b="1" dirty="0"/>
+              <a:t>what</a:t>
+            </a:r>
+            <a:r>
+              <a:rPr lang="en-US" dirty="0"/>
+              <a:t> your intent is</a:t>
+            </a:r>
+          </a:p>
+          <a:p>
+            <a:pPr lvl="1"/>
+            <a:r>
+              <a:rPr lang="en-US" dirty="0"/>
+              <a:t>SQL, HTML, </a:t>
+            </a:r>
+            <a:r>
+              <a:rPr lang="en-US" dirty="0" err="1"/>
+              <a:t>GraphQL</a:t>
+            </a:r>
+            <a:endParaRPr lang="en-US" dirty="0"/>
+          </a:p>
+          <a:p>
+            <a:pPr lvl="1"/>
+            <a:r>
+              <a:rPr lang="en-US" dirty="0"/>
+              <a:t>Feels more like a human trying to communicate with a human</a:t>
+            </a:r>
+          </a:p>
+          <a:p>
+            <a:pPr lvl="2"/>
+            <a:r>
+              <a:rPr lang="en-US" dirty="0"/>
+              <a:t>“Hey, can you make me some chocolate chip cookies?”</a:t>
+            </a:r>
+          </a:p>
+        </p:txBody>
+      </p:sp>
+    </p:spTree>
+    <p:extLst>
+      <p:ext uri="{BB962C8B-B14F-4D97-AF65-F5344CB8AC3E}">
+        <p14:creationId xmlns:p14="http://schemas.microsoft.com/office/powerpoint/2010/main" val="4063958984"/>
+      </p:ext>
+    </p:extLst>
+  </p:cSld>
+  <p:clrMapOvr>
+    <a:masterClrMapping/>
+  </p:clrMapOvr>
+</p:sld>
+</file>
+
+<file path=ppt/slides/slide14.xml><?xml version="1.0" encoding="utf-8"?>
+<p:sld xmlns:a="http://schemas.openxmlformats.org/drawingml/2006/main" xmlns:r="http://schemas.openxmlformats.org/officeDocument/2006/relationships" xmlns:p="http://schemas.openxmlformats.org/presentationml/2006/main">
+  <p:cSld>
+    <p:spTree>
+      <p:nvGrpSpPr>
+        <p:cNvPr id="1" name=""/>
+        <p:cNvGrpSpPr/>
+        <p:nvPr/>
+      </p:nvGrpSpPr>
+      <p:grpSpPr>
+        <a:xfrm>
+          <a:off x="0" y="0"/>
+          <a:ext cx="0" cy="0"/>
+          <a:chOff x="0" y="0"/>
+          <a:chExt cx="0" cy="0"/>
+        </a:xfrm>
+      </p:grpSpPr>
+      <p:sp>
+        <p:nvSpPr>
           <p:cNvPr id="6" name="Title 5">
             <a:extLst>
               <a:ext uri="{FF2B5EF4-FFF2-40B4-BE49-F238E27FC236}">
@@ -6673,7 +6790,7 @@
           <a:p>
             <a:r>
               <a:rPr lang="en-US" dirty="0"/>
-              <a:t>Immutability</a:t>
+              <a:t>Immutability #1</a:t>
             </a:r>
           </a:p>
         </p:txBody>
@@ -6799,132 +6916,6 @@
 </p:sld>
 </file>
 
-<file path=ppt/slides/slide14.xml><?xml version="1.0" encoding="utf-8"?>
-<p:sld xmlns:a="http://schemas.openxmlformats.org/drawingml/2006/main" xmlns:r="http://schemas.openxmlformats.org/officeDocument/2006/relationships" xmlns:p="http://schemas.openxmlformats.org/presentationml/2006/main">
-  <p:cSld>
-    <p:spTree>
-      <p:nvGrpSpPr>
-        <p:cNvPr id="1" name=""/>
-        <p:cNvGrpSpPr/>
-        <p:nvPr/>
-      </p:nvGrpSpPr>
-      <p:grpSpPr>
-        <a:xfrm>
-          <a:off x="0" y="0"/>
-          <a:ext cx="0" cy="0"/>
-          <a:chOff x="0" y="0"/>
-          <a:chExt cx="0" cy="0"/>
-        </a:xfrm>
-      </p:grpSpPr>
-      <p:sp>
-        <p:nvSpPr>
-          <p:cNvPr id="6" name="Title 5">
-            <a:extLst>
-              <a:ext uri="{FF2B5EF4-FFF2-40B4-BE49-F238E27FC236}">
-                <a16:creationId xmlns:a16="http://schemas.microsoft.com/office/drawing/2014/main" id="{42C4E393-866A-694D-B6A2-D6AAF287CB94}"/>
-              </a:ext>
-            </a:extLst>
-          </p:cNvPr>
-          <p:cNvSpPr>
-            <a:spLocks noGrp="1"/>
-          </p:cNvSpPr>
-          <p:nvPr>
-            <p:ph type="title"/>
-          </p:nvPr>
-        </p:nvSpPr>
-        <p:spPr/>
-        <p:txBody>
-          <a:bodyPr/>
-          <a:lstStyle/>
-          <a:p>
-            <a:r>
-              <a:rPr lang="en-US" dirty="0"/>
-              <a:t>Immutability</a:t>
-            </a:r>
-          </a:p>
-        </p:txBody>
-      </p:sp>
-      <p:sp>
-        <p:nvSpPr>
-          <p:cNvPr id="7" name="Content Placeholder 6">
-            <a:extLst>
-              <a:ext uri="{FF2B5EF4-FFF2-40B4-BE49-F238E27FC236}">
-                <a16:creationId xmlns:a16="http://schemas.microsoft.com/office/drawing/2014/main" id="{4E5BCDDE-0A06-2F4E-95E4-7F1B49AF2C9F}"/>
-              </a:ext>
-            </a:extLst>
-          </p:cNvPr>
-          <p:cNvSpPr>
-            <a:spLocks noGrp="1"/>
-          </p:cNvSpPr>
-          <p:nvPr>
-            <p:ph idx="1"/>
-          </p:nvPr>
-        </p:nvSpPr>
-        <p:spPr>
-          <a:xfrm>
-            <a:off x="1103312" y="1736333"/>
-            <a:ext cx="8946541" cy="4512066"/>
-          </a:xfrm>
-        </p:spPr>
-        <p:txBody>
-          <a:bodyPr>
-            <a:normAutofit/>
-          </a:bodyPr>
-          <a:lstStyle/>
-          <a:p>
-            <a:r>
-              <a:rPr lang="en-US" dirty="0"/>
-              <a:t>“The true constant is change. </a:t>
-            </a:r>
-            <a:r>
-              <a:rPr lang="en-US" i="1" dirty="0"/>
-              <a:t>Mutation</a:t>
-            </a:r>
-            <a:r>
-              <a:rPr lang="en-US" dirty="0"/>
-              <a:t> </a:t>
-            </a:r>
-            <a:r>
-              <a:rPr lang="en-US" i="1" dirty="0"/>
-              <a:t>hides</a:t>
-            </a:r>
-            <a:r>
-              <a:rPr lang="en-US" dirty="0"/>
-              <a:t> </a:t>
-            </a:r>
-            <a:r>
-              <a:rPr lang="en-US" i="1" dirty="0"/>
-              <a:t>change</a:t>
-            </a:r>
-            <a:r>
-              <a:rPr lang="en-US" dirty="0"/>
-              <a:t>. Hidden change manifests chaos. Therefore, the wise embrace history.”</a:t>
-            </a:r>
-          </a:p>
-          <a:p>
-            <a:endParaRPr lang="en-US" dirty="0"/>
-          </a:p>
-          <a:p>
-            <a:r>
-              <a:rPr lang="en-US" dirty="0"/>
-              <a:t>“Any experienced programmer will tell you that debugging time outweighs code-writing time by an order of magnitude. And the slight hit on runtime performance is likely outweighed by the state-related bugs your users don’t have to endure.”</a:t>
-            </a:r>
-          </a:p>
-        </p:txBody>
-      </p:sp>
-    </p:spTree>
-    <p:extLst>
-      <p:ext uri="{BB962C8B-B14F-4D97-AF65-F5344CB8AC3E}">
-        <p14:creationId xmlns:p14="http://schemas.microsoft.com/office/powerpoint/2010/main" val="2046734289"/>
-      </p:ext>
-    </p:extLst>
-  </p:cSld>
-  <p:clrMapOvr>
-    <a:masterClrMapping/>
-  </p:clrMapOvr>
-</p:sld>
-</file>
-
 <file path=ppt/slides/slide15.xml><?xml version="1.0" encoding="utf-8"?>
 <p:sld xmlns:a="http://schemas.openxmlformats.org/drawingml/2006/main" xmlns:r="http://schemas.openxmlformats.org/officeDocument/2006/relationships" xmlns:p="http://schemas.openxmlformats.org/presentationml/2006/main">
   <p:cSld>
@@ -6965,7 +6956,7 @@
           <a:p>
             <a:r>
               <a:rPr lang="en-US" dirty="0"/>
-              <a:t>Pure Functions</a:t>
+              <a:t>Immutability #2</a:t>
             </a:r>
           </a:p>
         </p:txBody>
@@ -6986,95 +6977,54 @@
             <p:ph idx="1"/>
           </p:nvPr>
         </p:nvSpPr>
-        <p:spPr/>
+        <p:spPr>
+          <a:xfrm>
+            <a:off x="1103312" y="1736333"/>
+            <a:ext cx="8946541" cy="4512066"/>
+          </a:xfrm>
+        </p:spPr>
         <p:txBody>
           <a:bodyPr>
-            <a:normAutofit lnSpcReduction="10000"/>
+            <a:normAutofit/>
           </a:bodyPr>
           <a:lstStyle/>
           <a:p>
             <a:r>
               <a:rPr lang="en-US" dirty="0"/>
-              <a:t>Functions </a:t>
+              <a:t>“The true constant is change. </a:t>
             </a:r>
             <a:r>
               <a:rPr lang="en-US" i="1" dirty="0"/>
-              <a:t>take input and only return output</a:t>
-            </a:r>
-            <a:r>
-              <a:rPr lang="en-US" dirty="0"/>
-              <a:t>. </a:t>
-            </a:r>
-          </a:p>
-          <a:p>
-            <a:r>
-              <a:rPr lang="en-US" b="1" dirty="0"/>
-              <a:t>Deterministic</a:t>
-            </a:r>
-            <a:r>
-              <a:rPr lang="en-US" dirty="0"/>
-              <a:t> – the same input will always yield the same output.</a:t>
-            </a:r>
-          </a:p>
-          <a:p>
-            <a:r>
-              <a:rPr lang="en-US" b="1" u="sng" dirty="0"/>
-              <a:t>No side effects, which include:</a:t>
-            </a:r>
-          </a:p>
-          <a:p>
-            <a:pPr lvl="1"/>
-            <a:r>
-              <a:rPr lang="en-US" dirty="0"/>
-              <a:t>Modifying global variables</a:t>
-            </a:r>
-          </a:p>
-          <a:p>
-            <a:pPr lvl="1"/>
-            <a:r>
-              <a:rPr lang="en-US" dirty="0"/>
-              <a:t>Modifying input passed by reference</a:t>
-            </a:r>
-          </a:p>
-          <a:p>
-            <a:pPr lvl="1"/>
-            <a:r>
-              <a:rPr lang="en-US" dirty="0"/>
-              <a:t>I/O</a:t>
-            </a:r>
-          </a:p>
-          <a:p>
-            <a:pPr lvl="1"/>
-            <a:r>
-              <a:rPr lang="en-US" dirty="0"/>
-              <a:t>Triggering any external process</a:t>
-            </a:r>
-          </a:p>
-          <a:p>
-            <a:pPr lvl="1"/>
-            <a:r>
-              <a:rPr lang="en-US" dirty="0"/>
-              <a:t>Calling other side effect functions</a:t>
-            </a:r>
-          </a:p>
-          <a:p>
-            <a:r>
-              <a:rPr lang="en-US" dirty="0"/>
-              <a:t>Always thread safe</a:t>
-            </a:r>
-          </a:p>
-          <a:p>
+              <a:t>Mutation</a:t>
+            </a:r>
+            <a:r>
+              <a:rPr lang="en-US" dirty="0"/>
+              <a:t> </a:t>
+            </a:r>
             <a:r>
               <a:rPr lang="en-US" i="1" dirty="0"/>
-              <a:t>Unless you’re an FP zealot, not </a:t>
-            </a:r>
-            <a:r>
-              <a:rPr lang="en-US" i="1" u="sng" dirty="0"/>
-              <a:t>every</a:t>
+              <a:t>hides</a:t>
+            </a:r>
+            <a:r>
+              <a:rPr lang="en-US" dirty="0"/>
+              <a:t> </a:t>
             </a:r>
             <a:r>
               <a:rPr lang="en-US" i="1" dirty="0"/>
-              <a:t> function in your code will be pure – and that’s ok! </a:t>
+              <a:t>change</a:t>
+            </a:r>
+            <a:r>
+              <a:rPr lang="en-US" dirty="0"/>
+              <a:t>. Hidden change manifests chaos. Therefore, the wise embrace history.”</a:t>
+            </a:r>
+          </a:p>
+          <a:p>
+            <a:endParaRPr lang="en-US" dirty="0"/>
+          </a:p>
+          <a:p>
+            <a:r>
+              <a:rPr lang="en-US" dirty="0"/>
+              <a:t>“Any experienced programmer will tell you that debugging time outweighs code-writing time by an order of magnitude. And the slight hit on runtime performance is likely outweighed by the state-related bugs your users don’t have to endure.”</a:t>
             </a:r>
           </a:p>
         </p:txBody>
@@ -7082,7 +7032,7 @@
     </p:spTree>
     <p:extLst>
       <p:ext uri="{BB962C8B-B14F-4D97-AF65-F5344CB8AC3E}">
-        <p14:creationId xmlns:p14="http://schemas.microsoft.com/office/powerpoint/2010/main" val="1459354052"/>
+        <p14:creationId xmlns:p14="http://schemas.microsoft.com/office/powerpoint/2010/main" val="2046734289"/>
       </p:ext>
     </p:extLst>
   </p:cSld>
@@ -7132,7 +7082,7 @@
           <a:p>
             <a:r>
               <a:rPr lang="en-US" dirty="0"/>
-              <a:t>Referential Transparency</a:t>
+              <a:t>Pure Functions</a:t>
             </a:r>
           </a:p>
         </p:txBody>
@@ -7153,82 +7103,95 @@
             <p:ph idx="1"/>
           </p:nvPr>
         </p:nvSpPr>
-        <p:spPr>
-          <a:xfrm>
-            <a:off x="646111" y="1485900"/>
-            <a:ext cx="10899777" cy="5133109"/>
-          </a:xfrm>
-        </p:spPr>
+        <p:spPr/>
         <p:txBody>
           <a:bodyPr>
-            <a:normAutofit/>
+            <a:normAutofit lnSpcReduction="10000"/>
           </a:bodyPr>
           <a:lstStyle/>
           <a:p>
             <a:r>
               <a:rPr lang="en-US" dirty="0"/>
-              <a:t>“You can replace a function call with its resulting value without changing the meaning of the program”</a:t>
+              <a:t>Functions </a:t>
+            </a:r>
+            <a:r>
+              <a:rPr lang="en-US" i="1" dirty="0"/>
+              <a:t>take input and only return output</a:t>
+            </a:r>
+            <a:r>
+              <a:rPr lang="en-US" dirty="0"/>
+              <a:t>. </a:t>
             </a:r>
           </a:p>
           <a:p>
             <a:r>
               <a:rPr lang="en-US" b="1" dirty="0"/>
-              <a:t>Pure</a:t>
-            </a:r>
-            <a:r>
-              <a:rPr lang="en-US" dirty="0"/>
-              <a:t>, </a:t>
-            </a:r>
-            <a:r>
-              <a:rPr lang="en-US" b="1" dirty="0"/>
-              <a:t>deterministic</a:t>
-            </a:r>
-            <a:r>
-              <a:rPr lang="en-US" dirty="0"/>
-              <a:t> functions are </a:t>
-            </a:r>
-            <a:r>
-              <a:rPr lang="en-US" b="1" dirty="0"/>
-              <a:t>referentially</a:t>
-            </a:r>
-            <a:r>
-              <a:rPr lang="en-US" dirty="0"/>
-              <a:t> </a:t>
-            </a:r>
-            <a:r>
-              <a:rPr lang="en-US" b="1" dirty="0"/>
-              <a:t>transparent</a:t>
-            </a:r>
-            <a:r>
-              <a:rPr lang="en-US" dirty="0"/>
-              <a:t>. This means that you can conceptually (and literally) substitute things in your code.</a:t>
+              <a:t>Deterministic</a:t>
+            </a:r>
+            <a:r>
+              <a:rPr lang="en-US" dirty="0"/>
+              <a:t> – the same input will always yield the same output.</a:t>
+            </a:r>
+          </a:p>
+          <a:p>
+            <a:r>
+              <a:rPr lang="en-US" b="1" u="sng" dirty="0"/>
+              <a:t>No side effects, which include:</a:t>
             </a:r>
           </a:p>
           <a:p>
             <a:pPr lvl="1"/>
             <a:r>
               <a:rPr lang="en-US" dirty="0"/>
-              <a:t>Lower cognitive load as you can break the problems down</a:t>
+              <a:t>Modifying global variables</a:t>
             </a:r>
           </a:p>
           <a:p>
             <a:pPr lvl="1"/>
             <a:r>
               <a:rPr lang="en-US" dirty="0"/>
-              <a:t>More flexible</a:t>
+              <a:t>Modifying input passed by reference</a:t>
             </a:r>
           </a:p>
           <a:p>
             <a:pPr lvl="1"/>
             <a:r>
               <a:rPr lang="en-US" dirty="0"/>
-              <a:t>Easier to write. If you don’t have a part working yet, you can just write in a fake data structure that you can replace in the future with a dynamic, pure function.</a:t>
-            </a:r>
-          </a:p>
-          <a:p>
-            <a:r>
-              <a:rPr lang="en-US" dirty="0"/>
-              <a:t>“In math, all functions are referentially transparent”</a:t>
+              <a:t>I/O</a:t>
+            </a:r>
+          </a:p>
+          <a:p>
+            <a:pPr lvl="1"/>
+            <a:r>
+              <a:rPr lang="en-US" dirty="0"/>
+              <a:t>Triggering any external process</a:t>
+            </a:r>
+          </a:p>
+          <a:p>
+            <a:pPr lvl="1"/>
+            <a:r>
+              <a:rPr lang="en-US" dirty="0"/>
+              <a:t>Calling other side effect functions</a:t>
+            </a:r>
+          </a:p>
+          <a:p>
+            <a:r>
+              <a:rPr lang="en-US" dirty="0"/>
+              <a:t>Always thread safe</a:t>
+            </a:r>
+          </a:p>
+          <a:p>
+            <a:r>
+              <a:rPr lang="en-US" i="1" dirty="0"/>
+              <a:t>Unless you’re an FP zealot, not </a:t>
+            </a:r>
+            <a:r>
+              <a:rPr lang="en-US" i="1" u="sng" dirty="0"/>
+              <a:t>every</a:t>
+            </a:r>
+            <a:r>
+              <a:rPr lang="en-US" i="1" dirty="0"/>
+              <a:t> function in your code will be pure – and that’s ok! </a:t>
             </a:r>
           </a:p>
         </p:txBody>
@@ -7236,7 +7199,7 @@
     </p:spTree>
     <p:extLst>
       <p:ext uri="{BB962C8B-B14F-4D97-AF65-F5344CB8AC3E}">
-        <p14:creationId xmlns:p14="http://schemas.microsoft.com/office/powerpoint/2010/main" val="2975664975"/>
+        <p14:creationId xmlns:p14="http://schemas.microsoft.com/office/powerpoint/2010/main" val="1459354052"/>
       </p:ext>
     </p:extLst>
   </p:cSld>
@@ -7286,7 +7249,7 @@
           <a:p>
             <a:r>
               <a:rPr lang="en-US" dirty="0"/>
-              <a:t>Minimize State</a:t>
+              <a:t>Referential Transparency</a:t>
             </a:r>
           </a:p>
         </p:txBody>
@@ -7307,7 +7270,12 @@
             <p:ph idx="1"/>
           </p:nvPr>
         </p:nvSpPr>
-        <p:spPr/>
+        <p:spPr>
+          <a:xfrm>
+            <a:off x="646111" y="1485900"/>
+            <a:ext cx="10899777" cy="5133109"/>
+          </a:xfrm>
+        </p:spPr>
         <p:txBody>
           <a:bodyPr>
             <a:normAutofit/>
@@ -7316,19 +7284,68 @@
           <a:p>
             <a:r>
               <a:rPr lang="en-US" dirty="0"/>
-              <a:t>Default approach: figure out the absolute minimal representation of the state your application needs and compute everything else you need on-demand.</a:t>
-            </a:r>
-          </a:p>
-          <a:p>
-            <a:r>
-              <a:rPr lang="en-US" dirty="0"/>
-              <a:t>In every codebase I’ve worked on, the vast majority of bugs live in the state maintenance.</a:t>
-            </a:r>
-          </a:p>
-          <a:p>
-            <a:r>
-              <a:rPr lang="en-US" dirty="0"/>
-              <a:t>If the performance needs of your app aren’t being met with that approach, cautiously maintain more state.</a:t>
+              <a:t>“You can replace a function call with its resulting value without changing the meaning of the program”</a:t>
+            </a:r>
+          </a:p>
+          <a:p>
+            <a:r>
+              <a:rPr lang="en-US" b="1" dirty="0"/>
+              <a:t>Pure</a:t>
+            </a:r>
+            <a:r>
+              <a:rPr lang="en-US" dirty="0"/>
+              <a:t>, </a:t>
+            </a:r>
+            <a:r>
+              <a:rPr lang="en-US" b="1" dirty="0"/>
+              <a:t>deterministic</a:t>
+            </a:r>
+            <a:r>
+              <a:rPr lang="en-US" dirty="0"/>
+              <a:t> functions are </a:t>
+            </a:r>
+            <a:r>
+              <a:rPr lang="en-US" b="1" dirty="0"/>
+              <a:t>referentially</a:t>
+            </a:r>
+            <a:r>
+              <a:rPr lang="en-US" dirty="0"/>
+              <a:t> </a:t>
+            </a:r>
+            <a:r>
+              <a:rPr lang="en-US" b="1" dirty="0"/>
+              <a:t>transparent</a:t>
+            </a:r>
+            <a:r>
+              <a:rPr lang="en-US" dirty="0"/>
+              <a:t>. This means that you can conceptually (and literally) substitute things in your code.</a:t>
+            </a:r>
+          </a:p>
+          <a:p>
+            <a:pPr lvl="1"/>
+            <a:r>
+              <a:rPr lang="en-US" dirty="0"/>
+              <a:t>Lower cognitive load as you can break the problems down</a:t>
+            </a:r>
+          </a:p>
+          <a:p>
+            <a:pPr lvl="1"/>
+            <a:r>
+              <a:rPr lang="en-US" dirty="0"/>
+              <a:t>More flexible</a:t>
+            </a:r>
+          </a:p>
+          <a:p>
+            <a:pPr lvl="1"/>
+            <a:r>
+              <a:rPr lang="en-US" dirty="0"/>
+              <a:t>Easier to write. If you don’t have a part working yet, you can just write in a fake data structure that you can replace in the future with a dynamic, pure function.</a:t>
+            </a:r>
+          </a:p>
+          <a:p>
+            <a:r>
+              <a:rPr lang="en-US" dirty="0"/>
+              <a:t>“In math, all functions are referentially transparent”</a:t>
             </a:r>
           </a:p>
         </p:txBody>
@@ -7336,7 +7353,7 @@
     </p:spTree>
     <p:extLst>
       <p:ext uri="{BB962C8B-B14F-4D97-AF65-F5344CB8AC3E}">
-        <p14:creationId xmlns:p14="http://schemas.microsoft.com/office/powerpoint/2010/main" val="3943595886"/>
+        <p14:creationId xmlns:p14="http://schemas.microsoft.com/office/powerpoint/2010/main" val="2975664975"/>
       </p:ext>
     </p:extLst>
   </p:cSld>
@@ -7365,10 +7382,10 @@
       </p:grpSpPr>
       <p:sp>
         <p:nvSpPr>
-          <p:cNvPr id="4" name="Title 3">
+          <p:cNvPr id="6" name="Title 5">
             <a:extLst>
               <a:ext uri="{FF2B5EF4-FFF2-40B4-BE49-F238E27FC236}">
-                <a16:creationId xmlns:a16="http://schemas.microsoft.com/office/drawing/2014/main" id="{70A84B6C-2A6B-F44B-A206-D1B9D6889147}"/>
+                <a16:creationId xmlns:a16="http://schemas.microsoft.com/office/drawing/2014/main" id="{42C4E393-866A-694D-B6A2-D6AAF287CB94}"/>
               </a:ext>
             </a:extLst>
           </p:cNvPr>
@@ -7386,17 +7403,17 @@
           <a:p>
             <a:r>
               <a:rPr lang="en-US" dirty="0"/>
-              <a:t>Conclusion</a:t>
-            </a:r>
-          </a:p>
-        </p:txBody>
-      </p:sp>
-      <p:sp>
-        <p:nvSpPr>
-          <p:cNvPr id="5" name="Text Placeholder 4">
+              <a:t>Minimize State</a:t>
+            </a:r>
+          </a:p>
+        </p:txBody>
+      </p:sp>
+      <p:sp>
+        <p:nvSpPr>
+          <p:cNvPr id="7" name="Content Placeholder 6">
             <a:extLst>
               <a:ext uri="{FF2B5EF4-FFF2-40B4-BE49-F238E27FC236}">
-                <a16:creationId xmlns:a16="http://schemas.microsoft.com/office/drawing/2014/main" id="{E1DABFA9-6BBE-864B-ADF7-F21C786B2E58}"/>
+                <a16:creationId xmlns:a16="http://schemas.microsoft.com/office/drawing/2014/main" id="{4E5BCDDE-0A06-2F4E-95E4-7F1B49AF2C9F}"/>
               </a:ext>
             </a:extLst>
           </p:cNvPr>
@@ -7404,22 +7421,39 @@
             <a:spLocks noGrp="1"/>
           </p:cNvSpPr>
           <p:nvPr>
-            <p:ph type="body" idx="1"/>
-          </p:nvPr>
-        </p:nvSpPr>
-        <p:spPr/>
-        <p:txBody>
-          <a:bodyPr/>
-          <a:lstStyle/>
-          <a:p>
-            <a:endParaRPr lang="en-US"/>
+            <p:ph idx="1"/>
+          </p:nvPr>
+        </p:nvSpPr>
+        <p:spPr/>
+        <p:txBody>
+          <a:bodyPr>
+            <a:normAutofit/>
+          </a:bodyPr>
+          <a:lstStyle/>
+          <a:p>
+            <a:r>
+              <a:rPr lang="en-US" dirty="0"/>
+              <a:t>Default approach: figure out the absolute minimal representation of the state your application needs and compute everything else you need on-demand.</a:t>
+            </a:r>
+          </a:p>
+          <a:p>
+            <a:r>
+              <a:rPr lang="en-US" dirty="0"/>
+              <a:t>In every codebase I’ve worked on, the vast majority of bugs live in the state maintenance.</a:t>
+            </a:r>
+          </a:p>
+          <a:p>
+            <a:r>
+              <a:rPr lang="en-US" dirty="0"/>
+              <a:t>If the performance needs of your app aren’t being met with that approach, cautiously maintain more state.</a:t>
+            </a:r>
           </a:p>
         </p:txBody>
       </p:sp>
     </p:spTree>
     <p:extLst>
       <p:ext uri="{BB962C8B-B14F-4D97-AF65-F5344CB8AC3E}">
-        <p14:creationId xmlns:p14="http://schemas.microsoft.com/office/powerpoint/2010/main" val="1921253675"/>
+        <p14:creationId xmlns:p14="http://schemas.microsoft.com/office/powerpoint/2010/main" val="3943595886"/>
       </p:ext>
     </p:extLst>
   </p:cSld>
@@ -7448,10 +7482,10 @@
       </p:grpSpPr>
       <p:sp>
         <p:nvSpPr>
-          <p:cNvPr id="6" name="Title 5">
+          <p:cNvPr id="4" name="Title 3">
             <a:extLst>
               <a:ext uri="{FF2B5EF4-FFF2-40B4-BE49-F238E27FC236}">
-                <a16:creationId xmlns:a16="http://schemas.microsoft.com/office/drawing/2014/main" id="{42C4E393-866A-694D-B6A2-D6AAF287CB94}"/>
+                <a16:creationId xmlns:a16="http://schemas.microsoft.com/office/drawing/2014/main" id="{70A84B6C-2A6B-F44B-A206-D1B9D6889147}"/>
               </a:ext>
             </a:extLst>
           </p:cNvPr>
@@ -7469,17 +7503,17 @@
           <a:p>
             <a:r>
               <a:rPr lang="en-US" dirty="0"/>
-              <a:t>Benefits</a:t>
-            </a:r>
-          </a:p>
-        </p:txBody>
-      </p:sp>
-      <p:sp>
-        <p:nvSpPr>
-          <p:cNvPr id="7" name="Content Placeholder 6">
+              <a:t>Conclusion</a:t>
+            </a:r>
+          </a:p>
+        </p:txBody>
+      </p:sp>
+      <p:sp>
+        <p:nvSpPr>
+          <p:cNvPr id="5" name="Text Placeholder 4">
             <a:extLst>
               <a:ext uri="{FF2B5EF4-FFF2-40B4-BE49-F238E27FC236}">
-                <a16:creationId xmlns:a16="http://schemas.microsoft.com/office/drawing/2014/main" id="{4E5BCDDE-0A06-2F4E-95E4-7F1B49AF2C9F}"/>
+                <a16:creationId xmlns:a16="http://schemas.microsoft.com/office/drawing/2014/main" id="{E1DABFA9-6BBE-864B-ADF7-F21C786B2E58}"/>
               </a:ext>
             </a:extLst>
           </p:cNvPr>
@@ -7487,86 +7521,22 @@
             <a:spLocks noGrp="1"/>
           </p:cNvSpPr>
           <p:nvPr>
-            <p:ph idx="1"/>
-          </p:nvPr>
-        </p:nvSpPr>
-        <p:spPr/>
-        <p:txBody>
-          <a:bodyPr>
-            <a:normAutofit/>
-          </a:bodyPr>
-          <a:lstStyle/>
-          <a:p>
-            <a:r>
-              <a:rPr lang="en-US" dirty="0"/>
-              <a:t>Code is modular</a:t>
-            </a:r>
-          </a:p>
-          <a:p>
-            <a:pPr lvl="1"/>
-            <a:r>
-              <a:rPr lang="en-US" dirty="0"/>
-              <a:t>Reusable</a:t>
-            </a:r>
-          </a:p>
-          <a:p>
-            <a:pPr lvl="1"/>
-            <a:r>
-              <a:rPr lang="en-US" dirty="0"/>
-              <a:t>Easy to build on</a:t>
-            </a:r>
-          </a:p>
-          <a:p>
-            <a:pPr lvl="1"/>
-            <a:r>
-              <a:rPr lang="en-US" dirty="0"/>
-              <a:t>Requires less context to understand a function</a:t>
-            </a:r>
-          </a:p>
-          <a:p>
-            <a:r>
-              <a:rPr lang="en-US" dirty="0"/>
-              <a:t>Less error prone (state maintenance is where most bugs live)</a:t>
-            </a:r>
-          </a:p>
-          <a:p>
-            <a:r>
-              <a:rPr lang="en-US" dirty="0"/>
-              <a:t>Easy to test</a:t>
-            </a:r>
-          </a:p>
-          <a:p>
-            <a:pPr lvl="1"/>
-            <a:r>
-              <a:rPr lang="en-US" dirty="0"/>
-              <a:t>No need for mocks, which are time consuming to set up, brittle, etc.</a:t>
-            </a:r>
-          </a:p>
-          <a:p>
-            <a:r>
-              <a:rPr lang="en-US" dirty="0"/>
-              <a:t>Easy to debug</a:t>
-            </a:r>
-          </a:p>
-          <a:p>
-            <a:pPr lvl="1"/>
-            <a:r>
-              <a:rPr lang="en-US" dirty="0"/>
-              <a:t>Bugs don’t spread, they’re quarantined and easier to identify</a:t>
-            </a:r>
-          </a:p>
-          <a:p>
-            <a:r>
-              <a:rPr lang="en-US" dirty="0"/>
-              <a:t>Better for concurrency</a:t>
-            </a:r>
+            <p:ph type="body" idx="1"/>
+          </p:nvPr>
+        </p:nvSpPr>
+        <p:spPr/>
+        <p:txBody>
+          <a:bodyPr/>
+          <a:lstStyle/>
+          <a:p>
+            <a:endParaRPr lang="en-US"/>
           </a:p>
         </p:txBody>
       </p:sp>
     </p:spTree>
     <p:extLst>
       <p:ext uri="{BB962C8B-B14F-4D97-AF65-F5344CB8AC3E}">
-        <p14:creationId xmlns:p14="http://schemas.microsoft.com/office/powerpoint/2010/main" val="473587729"/>
+        <p14:creationId xmlns:p14="http://schemas.microsoft.com/office/powerpoint/2010/main" val="1921253675"/>
       </p:ext>
     </p:extLst>
   </p:cSld>
@@ -7615,38 +7585,8 @@
         </p:blipFill>
         <p:spPr>
           <a:xfrm>
-            <a:off x="233114" y="1188385"/>
-            <a:ext cx="7678542" cy="4026553"/>
-          </a:xfrm>
-          <a:prstGeom prst="rect">
-            <a:avLst/>
-          </a:prstGeom>
-        </p:spPr>
-      </p:pic>
-      <p:pic>
-        <p:nvPicPr>
-          <p:cNvPr id="5" name="Picture 4">
-            <a:extLst>
-              <a:ext uri="{FF2B5EF4-FFF2-40B4-BE49-F238E27FC236}">
-                <a16:creationId xmlns:a16="http://schemas.microsoft.com/office/drawing/2014/main" id="{357A156E-F3F0-A94F-BD2E-2BD005F85650}"/>
-              </a:ext>
-            </a:extLst>
-          </p:cNvPr>
-          <p:cNvPicPr>
-            <a:picLocks noChangeAspect="1"/>
-          </p:cNvPicPr>
-          <p:nvPr/>
-        </p:nvPicPr>
-        <p:blipFill>
-          <a:blip r:embed="rId3"/>
-          <a:stretch>
-            <a:fillRect/>
-          </a:stretch>
-        </p:blipFill>
-        <p:spPr>
-          <a:xfrm>
-            <a:off x="8067785" y="1188385"/>
-            <a:ext cx="3891101" cy="4179330"/>
+            <a:off x="548424" y="547254"/>
+            <a:ext cx="10781728" cy="5653833"/>
           </a:xfrm>
           <a:prstGeom prst="rect">
             <a:avLst/>
@@ -7706,7 +7646,7 @@
           <a:p>
             <a:r>
               <a:rPr lang="en-US" dirty="0"/>
-              <a:t>FP in the world today</a:t>
+              <a:t>Benefits</a:t>
             </a:r>
           </a:p>
         </p:txBody>
@@ -7736,36 +7676,74 @@
           <a:p>
             <a:r>
               <a:rPr lang="en-US" dirty="0"/>
-              <a:t>Web development with JavaScript, React &amp; Redux</a:t>
-            </a:r>
-          </a:p>
-          <a:p>
-            <a:r>
-              <a:rPr lang="en-US" dirty="0"/>
-              <a:t>Mobile development with Swift</a:t>
-            </a:r>
-          </a:p>
-          <a:p>
-            <a:r>
-              <a:rPr lang="en-US" dirty="0"/>
-              <a:t>Backend with Haskell, Erlang, Scala, Rust, Python</a:t>
-            </a:r>
-          </a:p>
-          <a:p>
-            <a:r>
-              <a:rPr lang="en-US" dirty="0"/>
-              <a:t>Concurrency &amp; big data</a:t>
-            </a:r>
-          </a:p>
-          <a:p>
-            <a:endParaRPr lang="en-US" dirty="0"/>
+              <a:t>Code is modular</a:t>
+            </a:r>
+          </a:p>
+          <a:p>
+            <a:pPr lvl="1"/>
+            <a:r>
+              <a:rPr lang="en-US" dirty="0"/>
+              <a:t>Reusable</a:t>
+            </a:r>
+          </a:p>
+          <a:p>
+            <a:pPr lvl="1"/>
+            <a:r>
+              <a:rPr lang="en-US" dirty="0"/>
+              <a:t>Easy to build on</a:t>
+            </a:r>
+          </a:p>
+          <a:p>
+            <a:pPr lvl="1"/>
+            <a:r>
+              <a:rPr lang="en-US" dirty="0"/>
+              <a:t>Requires less context to understand a function</a:t>
+            </a:r>
+          </a:p>
+          <a:p>
+            <a:r>
+              <a:rPr lang="en-US" dirty="0"/>
+              <a:t>Less error prone (state maintenance is where most bugs live)</a:t>
+            </a:r>
+          </a:p>
+          <a:p>
+            <a:r>
+              <a:rPr lang="en-US" dirty="0"/>
+              <a:t>Easy to test</a:t>
+            </a:r>
+          </a:p>
+          <a:p>
+            <a:pPr lvl="1"/>
+            <a:r>
+              <a:rPr lang="en-US" dirty="0"/>
+              <a:t>No need for mocks, which are time consuming to set up, brittle, etc.</a:t>
+            </a:r>
+          </a:p>
+          <a:p>
+            <a:r>
+              <a:rPr lang="en-US" dirty="0"/>
+              <a:t>Easy to debug</a:t>
+            </a:r>
+          </a:p>
+          <a:p>
+            <a:pPr lvl="1"/>
+            <a:r>
+              <a:rPr lang="en-US" dirty="0"/>
+              <a:t>Bugs don’t spread, they’re quarantined and easier to identify</a:t>
+            </a:r>
+          </a:p>
+          <a:p>
+            <a:r>
+              <a:rPr lang="en-US" dirty="0"/>
+              <a:t>Better for concurrency</a:t>
+            </a:r>
           </a:p>
         </p:txBody>
       </p:sp>
     </p:spTree>
     <p:extLst>
       <p:ext uri="{BB962C8B-B14F-4D97-AF65-F5344CB8AC3E}">
-        <p14:creationId xmlns:p14="http://schemas.microsoft.com/office/powerpoint/2010/main" val="4107398447"/>
+        <p14:creationId xmlns:p14="http://schemas.microsoft.com/office/powerpoint/2010/main" val="473587729"/>
       </p:ext>
     </p:extLst>
   </p:cSld>
@@ -7815,7 +7793,7 @@
           <a:p>
             <a:r>
               <a:rPr lang="en-US" dirty="0"/>
-              <a:t>Prediction</a:t>
+              <a:t>FP in the world today</a:t>
             </a:r>
           </a:p>
         </p:txBody>
@@ -7836,55 +7814,45 @@
             <p:ph idx="1"/>
           </p:nvPr>
         </p:nvSpPr>
-        <p:spPr>
-          <a:xfrm>
-            <a:off x="646112" y="1776845"/>
-            <a:ext cx="10472162" cy="4842163"/>
-          </a:xfrm>
-        </p:spPr>
+        <p:spPr/>
         <p:txBody>
           <a:bodyPr>
             <a:normAutofit/>
           </a:bodyPr>
           <a:lstStyle/>
           <a:p>
-            <a:pPr marL="0" indent="0">
-              <a:buNone/>
-            </a:pPr>
-            <a:r>
-              <a:rPr lang="en-US" dirty="0"/>
-              <a:t>“This doesn’t mean we’ll all be using Haskell in five years. More likely we’ll see something like the shift to object-oriented programming of the nineties: Smalltalk was the paradigmatic example of OO, but it was more familiar languages like C++ and Java that brought OO to the mainstream. In the case of FP this probably means languages like Scala, Swift, Kotlin, or Rust, and mainstream languages like JavaScript and Java continuing to adopt more FP features.”</a:t>
-            </a:r>
-          </a:p>
-          <a:p>
-            <a:pPr marL="0" indent="0">
-              <a:buNone/>
-            </a:pPr>
-            <a:endParaRPr lang="en-US" dirty="0"/>
-          </a:p>
-          <a:p>
-            <a:pPr marL="0" indent="0">
-              <a:buNone/>
-            </a:pPr>
-            <a:r>
-              <a:rPr lang="en-US" dirty="0"/>
-              <a:t>“On </a:t>
-            </a:r>
-            <a:r>
-              <a:rPr lang="en-US" dirty="0" err="1"/>
-              <a:t>StackOverflow</a:t>
-            </a:r>
-            <a:r>
-              <a:rPr lang="en-US" dirty="0"/>
-              <a:t> 2019 Developer Survey Results — the world’s largest survey for programmers around the world — 4 out of the top 5 programming languages associated with the highest salaries are purely functional ones. These results, compared to … 2018, show a large shift in favor of the functional languages.”</a:t>
-            </a:r>
+            <a:r>
+              <a:rPr lang="en-US" dirty="0"/>
+              <a:t>Web development with JavaScript, React &amp; Redux</a:t>
+            </a:r>
+          </a:p>
+          <a:p>
+            <a:r>
+              <a:rPr lang="en-US" dirty="0"/>
+              <a:t>Mobile development with Swift</a:t>
+            </a:r>
+          </a:p>
+          <a:p>
+            <a:r>
+              <a:rPr lang="en-US" dirty="0"/>
+              <a:t>Backend with Haskell, Erlang, Scala, Rust, Python</a:t>
+            </a:r>
+          </a:p>
+          <a:p>
+            <a:r>
+              <a:rPr lang="en-US" dirty="0"/>
+              <a:t>Concurrency &amp; big data</a:t>
+            </a:r>
+          </a:p>
+          <a:p>
+            <a:endParaRPr lang="en-US" dirty="0"/>
           </a:p>
         </p:txBody>
       </p:sp>
     </p:spTree>
     <p:extLst>
       <p:ext uri="{BB962C8B-B14F-4D97-AF65-F5344CB8AC3E}">
-        <p14:creationId xmlns:p14="http://schemas.microsoft.com/office/powerpoint/2010/main" val="3014460565"/>
+        <p14:creationId xmlns:p14="http://schemas.microsoft.com/office/powerpoint/2010/main" val="4107398447"/>
       </p:ext>
     </p:extLst>
   </p:cSld>
@@ -7934,7 +7902,7 @@
           <a:p>
             <a:r>
               <a:rPr lang="en-US" dirty="0"/>
-              <a:t>Bottom Line</a:t>
+              <a:t>Prediction</a:t>
             </a:r>
           </a:p>
         </p:txBody>
@@ -7957,59 +7925,53 @@
         </p:nvSpPr>
         <p:spPr>
           <a:xfrm>
-            <a:off x="1103312" y="2052918"/>
-            <a:ext cx="9807143" cy="4195481"/>
+            <a:off x="646112" y="1776845"/>
+            <a:ext cx="10472162" cy="4842163"/>
           </a:xfrm>
         </p:spPr>
         <p:txBody>
-          <a:bodyPr/>
-          <a:lstStyle/>
-          <a:p>
-            <a:r>
-              <a:rPr lang="en-US" dirty="0"/>
-              <a:t>You don’t need to convert every line of code you’ve ever written to be functional programming</a:t>
-            </a:r>
-          </a:p>
-          <a:p>
-            <a:r>
-              <a:rPr lang="en-US" dirty="0"/>
-              <a:t>You don’t need to be an FP zealot (though don’t feel shame if you are 😈)</a:t>
-            </a:r>
-          </a:p>
-          <a:p>
-            <a:r>
-              <a:rPr lang="en-US" dirty="0"/>
-              <a:t>With a little effort, you can reap huge rewards</a:t>
-            </a:r>
-          </a:p>
-          <a:p>
-            <a:r>
-              <a:rPr lang="en-US" dirty="0"/>
-              <a:t>You can make use of parts of FP and OOP together. </a:t>
-            </a:r>
-          </a:p>
-          <a:p>
-            <a:r>
-              <a:rPr lang="en-US" dirty="0"/>
-              <a:t>You can even accomplish tenets of OOP through FP</a:t>
-            </a:r>
-          </a:p>
-          <a:p>
-            <a:pPr lvl="1"/>
-            <a:r>
-              <a:rPr lang="en-US" dirty="0"/>
-              <a:t>notably, polymorphism through generics (as opposed to inheritance)</a:t>
-            </a:r>
-          </a:p>
-          <a:p>
-            <a:endParaRPr lang="en-US" dirty="0"/>
+          <a:bodyPr>
+            <a:normAutofit/>
+          </a:bodyPr>
+          <a:lstStyle/>
+          <a:p>
+            <a:pPr marL="0" indent="0">
+              <a:buNone/>
+            </a:pPr>
+            <a:r>
+              <a:rPr lang="en-US" dirty="0"/>
+              <a:t>“This doesn’t mean we’ll all be using Haskell in five years. More likely we’ll see something like the shift to object-oriented programming of the nineties: Smalltalk was the paradigmatic example of OO, but it was more familiar languages like C++ and Java that brought OO to the mainstream. In the case of FP this probably means languages like Scala, Swift, Kotlin, or Rust, and mainstream languages like JavaScript and Java continuing to adopt more FP features.”</a:t>
+            </a:r>
+          </a:p>
+          <a:p>
+            <a:pPr marL="0" indent="0">
+              <a:buNone/>
+            </a:pPr>
+            <a:endParaRPr lang="en-US" dirty="0"/>
+          </a:p>
+          <a:p>
+            <a:pPr marL="0" indent="0">
+              <a:buNone/>
+            </a:pPr>
+            <a:r>
+              <a:rPr lang="en-US" dirty="0"/>
+              <a:t>“On </a:t>
+            </a:r>
+            <a:r>
+              <a:rPr lang="en-US" dirty="0" err="1"/>
+              <a:t>StackOverflow</a:t>
+            </a:r>
+            <a:r>
+              <a:rPr lang="en-US" dirty="0"/>
+              <a:t> 2019 Developer Survey Results — the world’s largest survey for programmers around the world — 4 out of the top 5 programming languages associated with the highest salaries are purely functional ones. These results, compared to … 2018, show a large shift in favor of the functional languages.”</a:t>
+            </a:r>
           </a:p>
         </p:txBody>
       </p:sp>
     </p:spTree>
     <p:extLst>
       <p:ext uri="{BB962C8B-B14F-4D97-AF65-F5344CB8AC3E}">
-        <p14:creationId xmlns:p14="http://schemas.microsoft.com/office/powerpoint/2010/main" val="4053368709"/>
+        <p14:creationId xmlns:p14="http://schemas.microsoft.com/office/powerpoint/2010/main" val="3014460565"/>
       </p:ext>
     </p:extLst>
   </p:cSld>
@@ -8038,6 +8000,131 @@
       </p:grpSpPr>
       <p:sp>
         <p:nvSpPr>
+          <p:cNvPr id="6" name="Title 5">
+            <a:extLst>
+              <a:ext uri="{FF2B5EF4-FFF2-40B4-BE49-F238E27FC236}">
+                <a16:creationId xmlns:a16="http://schemas.microsoft.com/office/drawing/2014/main" id="{42C4E393-866A-694D-B6A2-D6AAF287CB94}"/>
+              </a:ext>
+            </a:extLst>
+          </p:cNvPr>
+          <p:cNvSpPr>
+            <a:spLocks noGrp="1"/>
+          </p:cNvSpPr>
+          <p:nvPr>
+            <p:ph type="title"/>
+          </p:nvPr>
+        </p:nvSpPr>
+        <p:spPr/>
+        <p:txBody>
+          <a:bodyPr/>
+          <a:lstStyle/>
+          <a:p>
+            <a:r>
+              <a:rPr lang="en-US" dirty="0"/>
+              <a:t>Bottom Line</a:t>
+            </a:r>
+          </a:p>
+        </p:txBody>
+      </p:sp>
+      <p:sp>
+        <p:nvSpPr>
+          <p:cNvPr id="7" name="Content Placeholder 6">
+            <a:extLst>
+              <a:ext uri="{FF2B5EF4-FFF2-40B4-BE49-F238E27FC236}">
+                <a16:creationId xmlns:a16="http://schemas.microsoft.com/office/drawing/2014/main" id="{4E5BCDDE-0A06-2F4E-95E4-7F1B49AF2C9F}"/>
+              </a:ext>
+            </a:extLst>
+          </p:cNvPr>
+          <p:cNvSpPr>
+            <a:spLocks noGrp="1"/>
+          </p:cNvSpPr>
+          <p:nvPr>
+            <p:ph idx="1"/>
+          </p:nvPr>
+        </p:nvSpPr>
+        <p:spPr>
+          <a:xfrm>
+            <a:off x="1103312" y="2052918"/>
+            <a:ext cx="9807143" cy="4195481"/>
+          </a:xfrm>
+        </p:spPr>
+        <p:txBody>
+          <a:bodyPr/>
+          <a:lstStyle/>
+          <a:p>
+            <a:r>
+              <a:rPr lang="en-US" dirty="0"/>
+              <a:t>You don’t need to convert every line of code you’ve ever written to be functional programming</a:t>
+            </a:r>
+          </a:p>
+          <a:p>
+            <a:r>
+              <a:rPr lang="en-US" dirty="0"/>
+              <a:t>You don’t need to be an FP zealot (though don’t feel shame if you are 😈)</a:t>
+            </a:r>
+          </a:p>
+          <a:p>
+            <a:r>
+              <a:rPr lang="en-US" dirty="0"/>
+              <a:t>With a little effort, you can reap huge rewards</a:t>
+            </a:r>
+          </a:p>
+          <a:p>
+            <a:r>
+              <a:rPr lang="en-US" dirty="0"/>
+              <a:t>You can make use of parts of FP and OOP together. </a:t>
+            </a:r>
+          </a:p>
+          <a:p>
+            <a:r>
+              <a:rPr lang="en-US" dirty="0"/>
+              <a:t>You can even accomplish tenets of OOP through FP</a:t>
+            </a:r>
+          </a:p>
+          <a:p>
+            <a:pPr lvl="1"/>
+            <a:r>
+              <a:rPr lang="en-US" dirty="0"/>
+              <a:t>notably, polymorphism through generics (as opposed to inheritance)</a:t>
+            </a:r>
+          </a:p>
+          <a:p>
+            <a:endParaRPr lang="en-US" dirty="0"/>
+          </a:p>
+        </p:txBody>
+      </p:sp>
+    </p:spTree>
+    <p:extLst>
+      <p:ext uri="{BB962C8B-B14F-4D97-AF65-F5344CB8AC3E}">
+        <p14:creationId xmlns:p14="http://schemas.microsoft.com/office/powerpoint/2010/main" val="4053368709"/>
+      </p:ext>
+    </p:extLst>
+  </p:cSld>
+  <p:clrMapOvr>
+    <a:masterClrMapping/>
+  </p:clrMapOvr>
+</p:sld>
+</file>
+
+<file path=ppt/slides/slide24.xml><?xml version="1.0" encoding="utf-8"?>
+<p:sld xmlns:a="http://schemas.openxmlformats.org/drawingml/2006/main" xmlns:r="http://schemas.openxmlformats.org/officeDocument/2006/relationships" xmlns:p="http://schemas.openxmlformats.org/presentationml/2006/main">
+  <p:cSld>
+    <p:spTree>
+      <p:nvGrpSpPr>
+        <p:cNvPr id="1" name=""/>
+        <p:cNvGrpSpPr/>
+        <p:nvPr/>
+      </p:nvGrpSpPr>
+      <p:grpSpPr>
+        <a:xfrm>
+          <a:off x="0" y="0"/>
+          <a:ext cx="0" cy="0"/>
+          <a:chOff x="0" y="0"/>
+          <a:chExt cx="0" cy="0"/>
+        </a:xfrm>
+      </p:grpSpPr>
+      <p:sp>
+        <p:nvSpPr>
           <p:cNvPr id="4" name="Title 3">
             <a:extLst>
               <a:ext uri="{FF2B5EF4-FFF2-40B4-BE49-F238E27FC236}">
@@ -8102,7 +8189,7 @@
 </p:sld>
 </file>
 
-<file path=ppt/slides/slide24.xml><?xml version="1.0" encoding="utf-8"?>
+<file path=ppt/slides/slide25.xml><?xml version="1.0" encoding="utf-8"?>
 <p:sld xmlns:a="http://schemas.openxmlformats.org/drawingml/2006/main" xmlns:r="http://schemas.openxmlformats.org/officeDocument/2006/relationships" xmlns:p="http://schemas.openxmlformats.org/presentationml/2006/main">
   <p:cSld>
     <p:spTree>
@@ -8282,7 +8369,7 @@
 </p:sld>
 </file>
 
-<file path=ppt/slides/slide25.xml><?xml version="1.0" encoding="utf-8"?>
+<file path=ppt/slides/slide26.xml><?xml version="1.0" encoding="utf-8"?>
 <p:sld xmlns:a="http://schemas.openxmlformats.org/drawingml/2006/main" xmlns:r="http://schemas.openxmlformats.org/officeDocument/2006/relationships" xmlns:p="http://schemas.openxmlformats.org/presentationml/2006/main">
   <p:cSld>
     <p:spTree>
@@ -8523,10 +8610,10 @@
       </p:grpSpPr>
       <p:sp>
         <p:nvSpPr>
-          <p:cNvPr id="6" name="Title 5">
+          <p:cNvPr id="2" name="Title 1">
             <a:extLst>
               <a:ext uri="{FF2B5EF4-FFF2-40B4-BE49-F238E27FC236}">
-                <a16:creationId xmlns:a16="http://schemas.microsoft.com/office/drawing/2014/main" id="{42C4E393-866A-694D-B6A2-D6AAF287CB94}"/>
+                <a16:creationId xmlns:a16="http://schemas.microsoft.com/office/drawing/2014/main" id="{B4C75700-F008-4E45-93F8-019A1F0AD5D7}"/>
               </a:ext>
             </a:extLst>
           </p:cNvPr>
@@ -8544,17 +8631,17 @@
           <a:p>
             <a:r>
               <a:rPr lang="en-US" dirty="0"/>
-              <a:t>What is functional programming?</a:t>
-            </a:r>
-          </a:p>
-        </p:txBody>
-      </p:sp>
-      <p:sp>
-        <p:nvSpPr>
-          <p:cNvPr id="7" name="Content Placeholder 6">
+              <a:t>Agenda</a:t>
+            </a:r>
+          </a:p>
+        </p:txBody>
+      </p:sp>
+      <p:sp>
+        <p:nvSpPr>
+          <p:cNvPr id="3" name="Content Placeholder 2">
             <a:extLst>
               <a:ext uri="{FF2B5EF4-FFF2-40B4-BE49-F238E27FC236}">
-                <a16:creationId xmlns:a16="http://schemas.microsoft.com/office/drawing/2014/main" id="{4E5BCDDE-0A06-2F4E-95E4-7F1B49AF2C9F}"/>
+                <a16:creationId xmlns:a16="http://schemas.microsoft.com/office/drawing/2014/main" id="{5840AD56-D137-5C45-8CDD-1035A3F43CE6}"/>
               </a:ext>
             </a:extLst>
           </p:cNvPr>
@@ -8567,82 +8654,76 @@
         </p:nvSpPr>
         <p:spPr/>
         <p:txBody>
-          <a:bodyPr>
-            <a:normAutofit/>
-          </a:bodyPr>
-          <a:lstStyle/>
-          <a:p>
-            <a:r>
-              <a:rPr lang="en-US" b="1" dirty="0"/>
-              <a:t>“Functional programming</a:t>
-            </a:r>
-            <a:r>
-              <a:rPr lang="en-US" dirty="0"/>
-              <a:t> (often abbreviated FP) is the process of building software by composing </a:t>
-            </a:r>
-            <a:r>
-              <a:rPr lang="en-US" b="1" dirty="0"/>
-              <a:t>pure functions</a:t>
-            </a:r>
-            <a:r>
-              <a:rPr lang="en-US" dirty="0"/>
-              <a:t>, avoiding </a:t>
-            </a:r>
-            <a:r>
-              <a:rPr lang="en-US" b="1" dirty="0"/>
-              <a:t>shared state,</a:t>
-            </a:r>
-            <a:r>
-              <a:rPr lang="en-US" dirty="0"/>
-              <a:t> </a:t>
-            </a:r>
-            <a:r>
-              <a:rPr lang="en-US" b="1" dirty="0"/>
-              <a:t>mutable data, </a:t>
-            </a:r>
-            <a:r>
-              <a:rPr lang="en-US" dirty="0"/>
-              <a:t>and </a:t>
-            </a:r>
-            <a:r>
-              <a:rPr lang="en-US" b="1" dirty="0"/>
-              <a:t>side-effects</a:t>
-            </a:r>
-            <a:r>
-              <a:rPr lang="en-US" dirty="0"/>
-              <a:t>. Functional programming is </a:t>
-            </a:r>
-            <a:r>
-              <a:rPr lang="en-US" b="1" dirty="0"/>
-              <a:t>declarative</a:t>
-            </a:r>
-            <a:r>
-              <a:rPr lang="en-US" dirty="0"/>
-              <a:t> rather than </a:t>
-            </a:r>
-            <a:r>
-              <a:rPr lang="en-US" b="1" dirty="0"/>
-              <a:t>imperative</a:t>
-            </a:r>
-            <a:r>
-              <a:rPr lang="en-US" dirty="0"/>
-              <a:t>, and application state flows through pure functions. Contrast with object oriented programming, where application state is usually shared and </a:t>
-            </a:r>
-            <a:r>
-              <a:rPr lang="en-US" dirty="0" err="1"/>
-              <a:t>colocated</a:t>
-            </a:r>
-            <a:r>
-              <a:rPr lang="en-US" dirty="0"/>
-              <a:t> with methods in objects.”</a:t>
-            </a:r>
-          </a:p>
-        </p:txBody>
-      </p:sp>
+          <a:bodyPr/>
+          <a:lstStyle/>
+          <a:p>
+            <a:r>
+              <a:rPr lang="en-US" dirty="0"/>
+              <a:t>Lot of ground to cover</a:t>
+            </a:r>
+          </a:p>
+          <a:p>
+            <a:r>
+              <a:rPr lang="en-US" dirty="0"/>
+              <a:t>Presentation + Demo will be back and forth</a:t>
+            </a:r>
+          </a:p>
+          <a:p>
+            <a:r>
+              <a:rPr lang="en-US" dirty="0"/>
+              <a:t>Ask questions </a:t>
+            </a:r>
+            <a:r>
+              <a:rPr lang="en-US" i="1" dirty="0"/>
+              <a:t>during </a:t>
+            </a:r>
+            <a:r>
+              <a:rPr lang="en-US" dirty="0"/>
+              <a:t>the presentation</a:t>
+            </a:r>
+          </a:p>
+          <a:p>
+            <a:r>
+              <a:rPr lang="en-US" dirty="0"/>
+              <a:t>Correct me if needed</a:t>
+            </a:r>
+          </a:p>
+        </p:txBody>
+      </p:sp>
+      <p:pic>
+        <p:nvPicPr>
+          <p:cNvPr id="4" name="Picture 3">
+            <a:extLst>
+              <a:ext uri="{FF2B5EF4-FFF2-40B4-BE49-F238E27FC236}">
+                <a16:creationId xmlns:a16="http://schemas.microsoft.com/office/drawing/2014/main" id="{8CE0D50F-EE2E-4C41-8807-AFA698030C1C}"/>
+              </a:ext>
+            </a:extLst>
+          </p:cNvPr>
+          <p:cNvPicPr>
+            <a:picLocks noChangeAspect="1"/>
+          </p:cNvPicPr>
+          <p:nvPr/>
+        </p:nvPicPr>
+        <p:blipFill>
+          <a:blip r:embed="rId2"/>
+          <a:stretch>
+            <a:fillRect/>
+          </a:stretch>
+        </p:blipFill>
+        <p:spPr>
+          <a:xfrm>
+            <a:off x="7654788" y="1587778"/>
+            <a:ext cx="3891101" cy="4179330"/>
+          </a:xfrm>
+          <a:prstGeom prst="rect">
+            <a:avLst/>
+          </a:prstGeom>
+        </p:spPr>
+      </p:pic>
     </p:spTree>
     <p:extLst>
       <p:ext uri="{BB962C8B-B14F-4D97-AF65-F5344CB8AC3E}">
-        <p14:creationId xmlns:p14="http://schemas.microsoft.com/office/powerpoint/2010/main" val="3236971258"/>
+        <p14:creationId xmlns:p14="http://schemas.microsoft.com/office/powerpoint/2010/main" val="3939410222"/>
       </p:ext>
     </p:extLst>
   </p:cSld>
@@ -8721,16 +8802,68 @@
           <a:lstStyle/>
           <a:p>
             <a:r>
-              <a:rPr lang="en-US" dirty="0"/>
-              <a:t>“Functional programming is a </a:t>
-            </a:r>
-            <a:r>
               <a:rPr lang="en-US" b="1" dirty="0"/>
-              <a:t>programming paradigm</a:t>
-            </a:r>
-            <a:r>
-              <a:rPr lang="en-US" dirty="0"/>
-              <a:t>, meaning that it is a way of thinking about software construction based on some fundamental, defining principles. Other examples of programming paradigms include object oriented programming and procedural programming.”</a:t>
+              <a:t>“Functional programming</a:t>
+            </a:r>
+            <a:r>
+              <a:rPr lang="en-US" dirty="0"/>
+              <a:t> (often abbreviated FP) is the process of building software by composing </a:t>
+            </a:r>
+            <a:r>
+              <a:rPr lang="en-US" b="1" dirty="0"/>
+              <a:t>pure functions</a:t>
+            </a:r>
+            <a:r>
+              <a:rPr lang="en-US" dirty="0"/>
+              <a:t>, avoiding </a:t>
+            </a:r>
+            <a:r>
+              <a:rPr lang="en-US" b="1" dirty="0"/>
+              <a:t>shared state,</a:t>
+            </a:r>
+            <a:r>
+              <a:rPr lang="en-US" dirty="0"/>
+              <a:t> </a:t>
+            </a:r>
+            <a:r>
+              <a:rPr lang="en-US" b="1" dirty="0"/>
+              <a:t>mutable data, </a:t>
+            </a:r>
+            <a:r>
+              <a:rPr lang="en-US" dirty="0"/>
+              <a:t>and </a:t>
+            </a:r>
+            <a:r>
+              <a:rPr lang="en-US" b="1" dirty="0"/>
+              <a:t>side-effects</a:t>
+            </a:r>
+            <a:r>
+              <a:rPr lang="en-US" dirty="0"/>
+              <a:t>. Functional programming is </a:t>
+            </a:r>
+            <a:r>
+              <a:rPr lang="en-US" b="1" dirty="0"/>
+              <a:t>declarative</a:t>
+            </a:r>
+            <a:r>
+              <a:rPr lang="en-US" dirty="0"/>
+              <a:t> rather than </a:t>
+            </a:r>
+            <a:r>
+              <a:rPr lang="en-US" b="1" dirty="0"/>
+              <a:t>imperative</a:t>
+            </a:r>
+            <a:r>
+              <a:rPr lang="en-US" dirty="0"/>
+              <a:t>, and application state flows through pure functions. Contrast with object oriented programming, where application state is usually shared and </a:t>
+            </a:r>
+            <a:r>
+              <a:rPr lang="en-US" dirty="0" err="1"/>
+              <a:t>colocated</a:t>
+            </a:r>
+            <a:r>
+              <a:rPr lang="en-US" dirty="0"/>
+              <a:t> with methods in objects.”</a:t>
             </a:r>
           </a:p>
         </p:txBody>
@@ -8738,7 +8871,7 @@
     </p:spTree>
     <p:extLst>
       <p:ext uri="{BB962C8B-B14F-4D97-AF65-F5344CB8AC3E}">
-        <p14:creationId xmlns:p14="http://schemas.microsoft.com/office/powerpoint/2010/main" val="3992371978"/>
+        <p14:creationId xmlns:p14="http://schemas.microsoft.com/office/powerpoint/2010/main" val="3236971258"/>
       </p:ext>
     </p:extLst>
   </p:cSld>
@@ -8818,7 +8951,15 @@
           <a:p>
             <a:r>
               <a:rPr lang="en-US" dirty="0"/>
-              <a:t>“Functional code tends to be more concise, more predictable, and easier to test than imperative or object oriented code — but if you’re unfamiliar with it and the common patterns associated with it, functional code can also seem a lot more dense, and the related literature can be impenetrable to newcomers.”</a:t>
+              <a:t>“Functional programming is a </a:t>
+            </a:r>
+            <a:r>
+              <a:rPr lang="en-US" b="1" dirty="0"/>
+              <a:t>programming paradigm</a:t>
+            </a:r>
+            <a:r>
+              <a:rPr lang="en-US" dirty="0"/>
+              <a:t>, meaning that it is a way of thinking about software construction based on some fundamental, defining principles. Other examples of programming paradigms include object oriented programming and procedural programming.”</a:t>
             </a:r>
           </a:p>
         </p:txBody>
@@ -8826,7 +8967,7 @@
     </p:spTree>
     <p:extLst>
       <p:ext uri="{BB962C8B-B14F-4D97-AF65-F5344CB8AC3E}">
-        <p14:creationId xmlns:p14="http://schemas.microsoft.com/office/powerpoint/2010/main" val="1638248539"/>
+        <p14:creationId xmlns:p14="http://schemas.microsoft.com/office/powerpoint/2010/main" val="3992371978"/>
       </p:ext>
     </p:extLst>
   </p:cSld>
@@ -8876,7 +9017,7 @@
           <a:p>
             <a:r>
               <a:rPr lang="en-US" dirty="0"/>
-              <a:t>Why you care</a:t>
+              <a:t>What is functional programming?</a:t>
             </a:r>
           </a:p>
         </p:txBody>
@@ -8906,43 +9047,15 @@
           <a:p>
             <a:r>
               <a:rPr lang="en-US" dirty="0"/>
-              <a:t>Requires less context to understand</a:t>
-            </a:r>
-          </a:p>
-          <a:p>
-            <a:r>
-              <a:rPr lang="en-US" dirty="0"/>
-              <a:t>Less likely to become a house of cards that everyone is afraid to touch</a:t>
-            </a:r>
-          </a:p>
-          <a:p>
-            <a:r>
-              <a:rPr lang="en-US" dirty="0"/>
-              <a:t>Reusable </a:t>
-            </a:r>
-          </a:p>
-          <a:p>
-            <a:r>
-              <a:rPr lang="en-US" dirty="0"/>
-              <a:t>Less error prone</a:t>
-            </a:r>
-          </a:p>
-          <a:p>
-            <a:r>
-              <a:rPr lang="en-US" dirty="0"/>
-              <a:t>Easier to debug</a:t>
-            </a:r>
-          </a:p>
-          <a:p>
-            <a:r>
-              <a:rPr lang="en-US" dirty="0"/>
-              <a:t>Easier to test</a:t>
-            </a:r>
-          </a:p>
-          <a:p>
-            <a:r>
-              <a:rPr lang="en-US" dirty="0"/>
-              <a:t>Ideal for concurrency</a:t>
+              <a:t>“Functional code tends to be more concise, more predictable, and easier to test than imperative or object oriented code — but if you’re unfamiliar with it and the common patterns associated with it, functional code can also seem </a:t>
+            </a:r>
+            <a:r>
+              <a:rPr lang="en-US" b="1" dirty="0"/>
+              <a:t>a lot more dense</a:t>
+            </a:r>
+            <a:r>
+              <a:rPr lang="en-US" dirty="0"/>
+              <a:t>, and the related literature can be impenetrable to newcomers.”</a:t>
             </a:r>
           </a:p>
         </p:txBody>
@@ -8950,7 +9063,7 @@
     </p:spTree>
     <p:extLst>
       <p:ext uri="{BB962C8B-B14F-4D97-AF65-F5344CB8AC3E}">
-        <p14:creationId xmlns:p14="http://schemas.microsoft.com/office/powerpoint/2010/main" val="3039824077"/>
+        <p14:creationId xmlns:p14="http://schemas.microsoft.com/office/powerpoint/2010/main" val="1638248539"/>
       </p:ext>
     </p:extLst>
   </p:cSld>
@@ -8979,10 +9092,10 @@
       </p:grpSpPr>
       <p:sp>
         <p:nvSpPr>
-          <p:cNvPr id="2" name="Title 1">
+          <p:cNvPr id="6" name="Title 5">
             <a:extLst>
               <a:ext uri="{FF2B5EF4-FFF2-40B4-BE49-F238E27FC236}">
-                <a16:creationId xmlns:a16="http://schemas.microsoft.com/office/drawing/2014/main" id="{3A1010FD-68E5-364A-800B-5B73B5111DBD}"/>
+                <a16:creationId xmlns:a16="http://schemas.microsoft.com/office/drawing/2014/main" id="{42C4E393-866A-694D-B6A2-D6AAF287CB94}"/>
               </a:ext>
             </a:extLst>
           </p:cNvPr>
@@ -9000,17 +9113,17 @@
           <a:p>
             <a:r>
               <a:rPr lang="en-US" dirty="0"/>
-              <a:t>Brief History</a:t>
-            </a:r>
-          </a:p>
-        </p:txBody>
-      </p:sp>
-      <p:sp>
-        <p:nvSpPr>
-          <p:cNvPr id="5" name="Content Placeholder 4">
+              <a:t>Why you care</a:t>
+            </a:r>
+          </a:p>
+        </p:txBody>
+      </p:sp>
+      <p:sp>
+        <p:nvSpPr>
+          <p:cNvPr id="7" name="Content Placeholder 6">
             <a:extLst>
               <a:ext uri="{FF2B5EF4-FFF2-40B4-BE49-F238E27FC236}">
-                <a16:creationId xmlns:a16="http://schemas.microsoft.com/office/drawing/2014/main" id="{6FC9F7EC-0F29-1443-8CBA-794AEF63B94A}"/>
+                <a16:creationId xmlns:a16="http://schemas.microsoft.com/office/drawing/2014/main" id="{4E5BCDDE-0A06-2F4E-95E4-7F1B49AF2C9F}"/>
               </a:ext>
             </a:extLst>
           </p:cNvPr>
@@ -9030,92 +9143,43 @@
           <a:p>
             <a:r>
               <a:rPr lang="en-US" dirty="0"/>
-              <a:t>1930s - </a:t>
-            </a:r>
-            <a:r>
-              <a:rPr lang="en-US" dirty="0">
-                <a:hlinkClick r:id="rId2" tooltip="Lambda calculus"/>
-              </a:rPr>
-              <a:t>lambda calculus</a:t>
-            </a:r>
-            <a:r>
-              <a:rPr lang="en-US" dirty="0"/>
-              <a:t> developed by </a:t>
-            </a:r>
-            <a:r>
-              <a:rPr lang="en-US" dirty="0">
-                <a:hlinkClick r:id="rId3" tooltip="Alonzo Church"/>
-              </a:rPr>
-              <a:t>Alonzo Church</a:t>
-            </a:r>
-            <a:endParaRPr lang="en-US" dirty="0"/>
-          </a:p>
-          <a:p>
-            <a:r>
-              <a:rPr lang="en-US" dirty="0"/>
-              <a:t>1937 - </a:t>
-            </a:r>
-            <a:r>
-              <a:rPr lang="en-US" dirty="0">
-                <a:hlinkClick r:id="rId4" tooltip="Alan Turing"/>
-              </a:rPr>
-              <a:t>Alan Turing</a:t>
-            </a:r>
-            <a:r>
-              <a:rPr lang="en-US" dirty="0"/>
-              <a:t> proves lambda calculus is </a:t>
-            </a:r>
-            <a:r>
-              <a:rPr lang="en-US" dirty="0">
-                <a:hlinkClick r:id="rId5" tooltip="Turing complete"/>
-              </a:rPr>
-              <a:t>Turing complete</a:t>
-            </a:r>
-            <a:endParaRPr lang="en-US" dirty="0"/>
-          </a:p>
-          <a:p>
-            <a:pPr lvl="1"/>
-            <a:r>
-              <a:rPr lang="en-US" dirty="0"/>
-              <a:t>Church later develops a weaker system, the </a:t>
-            </a:r>
-            <a:r>
-              <a:rPr lang="en-US" dirty="0">
-                <a:hlinkClick r:id="rId6" tooltip="Simply-typed lambda calculus"/>
-              </a:rPr>
-              <a:t>simply-typed lambda calculus</a:t>
-            </a:r>
-            <a:r>
-              <a:rPr lang="en-US" dirty="0"/>
-              <a:t>, which forms the basis for statically-typed functional programming.</a:t>
-            </a:r>
-          </a:p>
-          <a:p>
-            <a:r>
-              <a:rPr lang="en-US" dirty="0"/>
-              <a:t>1950s - First FP language, </a:t>
-            </a:r>
-            <a:r>
-              <a:rPr lang="en-US" dirty="0">
-                <a:hlinkClick r:id="rId7" tooltip="Lisp (programming language)"/>
-              </a:rPr>
-              <a:t>LISP</a:t>
-            </a:r>
-            <a:r>
-              <a:rPr lang="en-US" dirty="0"/>
-              <a:t>, developed at MIT</a:t>
-            </a:r>
-          </a:p>
-          <a:p>
-            <a:r>
-              <a:rPr lang="en-US" dirty="0"/>
-              <a:t>~1980s-2010 – FP took the backseat as it was less practical with bad hardware while OOP was taking off with languages like C++ and Java</a:t>
-            </a:r>
-          </a:p>
-          <a:p>
-            <a:r>
-              <a:rPr lang="en-US" dirty="0"/>
-              <a:t>Present – Seeing a resurgence</a:t>
+              <a:t>Requires less context to understand</a:t>
+            </a:r>
+          </a:p>
+          <a:p>
+            <a:r>
+              <a:rPr lang="en-US" dirty="0"/>
+              <a:t>Less likely to become a house of cards that everyone is afraid to touch</a:t>
+            </a:r>
+          </a:p>
+          <a:p>
+            <a:r>
+              <a:rPr lang="en-US" dirty="0"/>
+              <a:t>Reusable </a:t>
+            </a:r>
+          </a:p>
+          <a:p>
+            <a:r>
+              <a:rPr lang="en-US" dirty="0"/>
+              <a:t>Less error prone</a:t>
+            </a:r>
+          </a:p>
+          <a:p>
+            <a:r>
+              <a:rPr lang="en-US" dirty="0"/>
+              <a:t>Easier to debug</a:t>
+            </a:r>
+          </a:p>
+          <a:p>
+            <a:r>
+              <a:rPr lang="en-US" dirty="0"/>
+              <a:t>Easier to test</a:t>
+            </a:r>
+          </a:p>
+          <a:p>
+            <a:r>
+              <a:rPr lang="en-US" dirty="0"/>
+              <a:t>Ideal for concurrency</a:t>
             </a:r>
           </a:p>
         </p:txBody>
@@ -9123,7 +9187,7 @@
     </p:spTree>
     <p:extLst>
       <p:ext uri="{BB962C8B-B14F-4D97-AF65-F5344CB8AC3E}">
-        <p14:creationId xmlns:p14="http://schemas.microsoft.com/office/powerpoint/2010/main" val="1792092777"/>
+        <p14:creationId xmlns:p14="http://schemas.microsoft.com/office/powerpoint/2010/main" val="3039824077"/>
       </p:ext>
     </p:extLst>
   </p:cSld>
@@ -9173,17 +9237,17 @@
           <a:p>
             <a:r>
               <a:rPr lang="en-US" dirty="0"/>
-              <a:t>Core Principles + Code</a:t>
-            </a:r>
-          </a:p>
-        </p:txBody>
-      </p:sp>
-      <p:sp>
-        <p:nvSpPr>
-          <p:cNvPr id="3" name="Text Placeholder 2">
+              <a:t>Brief History</a:t>
+            </a:r>
+          </a:p>
+        </p:txBody>
+      </p:sp>
+      <p:sp>
+        <p:nvSpPr>
+          <p:cNvPr id="5" name="Content Placeholder 4">
             <a:extLst>
               <a:ext uri="{FF2B5EF4-FFF2-40B4-BE49-F238E27FC236}">
-                <a16:creationId xmlns:a16="http://schemas.microsoft.com/office/drawing/2014/main" id="{3444D930-3CBD-6042-8A13-8594B471F352}"/>
+                <a16:creationId xmlns:a16="http://schemas.microsoft.com/office/drawing/2014/main" id="{6FC9F7EC-0F29-1443-8CBA-794AEF63B94A}"/>
               </a:ext>
             </a:extLst>
           </p:cNvPr>
@@ -9191,17 +9255,104 @@
             <a:spLocks noGrp="1"/>
           </p:cNvSpPr>
           <p:nvPr>
-            <p:ph type="body" idx="1"/>
-          </p:nvPr>
-        </p:nvSpPr>
-        <p:spPr/>
-        <p:txBody>
-          <a:bodyPr/>
-          <a:lstStyle/>
-          <a:p>
-            <a:r>
-              <a:rPr lang="en-US" dirty="0"/>
-              <a:t>Something created by math nerds is bound to have a lot of scary words – hang in there!</a:t>
+            <p:ph idx="1"/>
+          </p:nvPr>
+        </p:nvSpPr>
+        <p:spPr/>
+        <p:txBody>
+          <a:bodyPr>
+            <a:normAutofit/>
+          </a:bodyPr>
+          <a:lstStyle/>
+          <a:p>
+            <a:r>
+              <a:rPr lang="en-US" dirty="0"/>
+              <a:t>1930s - </a:t>
+            </a:r>
+            <a:r>
+              <a:rPr lang="en-US" dirty="0">
+                <a:hlinkClick r:id="rId2" tooltip="Lambda calculus"/>
+              </a:rPr>
+              <a:t>lambda calculus</a:t>
+            </a:r>
+            <a:r>
+              <a:rPr lang="en-US" dirty="0"/>
+              <a:t> developed by </a:t>
+            </a:r>
+            <a:r>
+              <a:rPr lang="en-US" dirty="0">
+                <a:hlinkClick r:id="rId3" tooltip="Alonzo Church"/>
+              </a:rPr>
+              <a:t>Alonzo Church</a:t>
+            </a:r>
+            <a:endParaRPr lang="en-US" dirty="0"/>
+          </a:p>
+          <a:p>
+            <a:r>
+              <a:rPr lang="en-US" dirty="0"/>
+              <a:t>1937 - </a:t>
+            </a:r>
+            <a:r>
+              <a:rPr lang="en-US" dirty="0">
+                <a:hlinkClick r:id="rId4" tooltip="Alan Turing"/>
+              </a:rPr>
+              <a:t>Alan Turing</a:t>
+            </a:r>
+            <a:r>
+              <a:rPr lang="en-US" dirty="0"/>
+              <a:t> proves lambda calculus is </a:t>
+            </a:r>
+            <a:r>
+              <a:rPr lang="en-US" dirty="0">
+                <a:hlinkClick r:id="rId5" tooltip="Turing complete"/>
+              </a:rPr>
+              <a:t>Turing complete</a:t>
+            </a:r>
+            <a:endParaRPr lang="en-US" dirty="0"/>
+          </a:p>
+          <a:p>
+            <a:pPr lvl="1"/>
+            <a:r>
+              <a:rPr lang="en-US" dirty="0"/>
+              <a:t>Church later develops a weaker system, the </a:t>
+            </a:r>
+            <a:r>
+              <a:rPr lang="en-US" dirty="0">
+                <a:hlinkClick r:id="rId6" tooltip="Simply-typed lambda calculus"/>
+              </a:rPr>
+              <a:t>simply-typed lambda calculus</a:t>
+            </a:r>
+            <a:r>
+              <a:rPr lang="en-US" dirty="0"/>
+              <a:t>, which forms the basis for statically-typed functional programming.</a:t>
+            </a:r>
+          </a:p>
+          <a:p>
+            <a:r>
+              <a:rPr lang="en-US" dirty="0"/>
+              <a:t>1950s - First FP language, </a:t>
+            </a:r>
+            <a:r>
+              <a:rPr lang="en-US" dirty="0">
+                <a:hlinkClick r:id="rId7" tooltip="Lisp (programming language)"/>
+              </a:rPr>
+              <a:t>LISP</a:t>
+            </a:r>
+            <a:r>
+              <a:rPr lang="en-US" dirty="0"/>
+              <a:t>, developed at MIT</a:t>
+            </a:r>
+          </a:p>
+          <a:p>
+            <a:r>
+              <a:rPr lang="en-US" dirty="0"/>
+              <a:t>~1980s-2010 – FP took the backseat as it was less practical with bad hardware while OOP was taking off with languages like C++ and Java</a:t>
+            </a:r>
+          </a:p>
+          <a:p>
+            <a:r>
+              <a:rPr lang="en-US" dirty="0"/>
+              <a:t>Present – Seeing a resurgence</a:t>
             </a:r>
           </a:p>
         </p:txBody>
@@ -9209,7 +9360,7 @@
     </p:spTree>
     <p:extLst>
       <p:ext uri="{BB962C8B-B14F-4D97-AF65-F5344CB8AC3E}">
-        <p14:creationId xmlns:p14="http://schemas.microsoft.com/office/powerpoint/2010/main" val="336882547"/>
+        <p14:creationId xmlns:p14="http://schemas.microsoft.com/office/powerpoint/2010/main" val="1792092777"/>
       </p:ext>
     </p:extLst>
   </p:cSld>
@@ -9292,40 +9443,10 @@
           </a:p>
         </p:txBody>
       </p:sp>
-      <p:pic>
-        <p:nvPicPr>
-          <p:cNvPr id="4" name="Picture 3">
-            <a:extLst>
-              <a:ext uri="{FF2B5EF4-FFF2-40B4-BE49-F238E27FC236}">
-                <a16:creationId xmlns:a16="http://schemas.microsoft.com/office/drawing/2014/main" id="{A206B5D3-B8E7-0943-AB34-E32EE0173E3A}"/>
-              </a:ext>
-            </a:extLst>
-          </p:cNvPr>
-          <p:cNvPicPr>
-            <a:picLocks noChangeAspect="1"/>
-          </p:cNvPicPr>
-          <p:nvPr/>
-        </p:nvPicPr>
-        <p:blipFill>
-          <a:blip r:embed="rId2"/>
-          <a:stretch>
-            <a:fillRect/>
-          </a:stretch>
-        </p:blipFill>
-        <p:spPr>
-          <a:xfrm>
-            <a:off x="7068620" y="599568"/>
-            <a:ext cx="4592549" cy="3214785"/>
-          </a:xfrm>
-          <a:prstGeom prst="rect">
-            <a:avLst/>
-          </a:prstGeom>
-        </p:spPr>
-      </p:pic>
     </p:spTree>
     <p:extLst>
       <p:ext uri="{BB962C8B-B14F-4D97-AF65-F5344CB8AC3E}">
-        <p14:creationId xmlns:p14="http://schemas.microsoft.com/office/powerpoint/2010/main" val="3822161428"/>
+        <p14:creationId xmlns:p14="http://schemas.microsoft.com/office/powerpoint/2010/main" val="336882547"/>
       </p:ext>
     </p:extLst>
   </p:cSld>
